--- a/docs/articles/resources/SHLIR_real_model.pptx
+++ b/docs/articles/resources/SHLIR_real_model.pptx
@@ -197,7 +197,7 @@
           <a:p>
             <a:fld id="{3CEAADBD-62E5-2F4A-A94D-5F96F99DEFF4}" type="datetimeFigureOut">
               <a:rPr lang="en-GB" smtClean="0"/>
-              <a:t>06/12/2017</a:t>
+              <a:t>10/01/2018</a:t>
             </a:fld>
             <a:endParaRPr lang="en-GB"/>
           </a:p>
@@ -596,7 +596,7 @@
           <a:p>
             <a:fld id="{A79B0C5A-868C-EC4F-B227-B0E7EEAFAF2D}" type="datetimeFigureOut">
               <a:rPr lang="en-GB" smtClean="0"/>
-              <a:t>06/12/2017</a:t>
+              <a:t>10/01/2018</a:t>
             </a:fld>
             <a:endParaRPr lang="en-GB"/>
           </a:p>
@@ -766,7 +766,7 @@
           <a:p>
             <a:fld id="{A79B0C5A-868C-EC4F-B227-B0E7EEAFAF2D}" type="datetimeFigureOut">
               <a:rPr lang="en-GB" smtClean="0"/>
-              <a:t>06/12/2017</a:t>
+              <a:t>10/01/2018</a:t>
             </a:fld>
             <a:endParaRPr lang="en-GB"/>
           </a:p>
@@ -946,7 +946,7 @@
           <a:p>
             <a:fld id="{A79B0C5A-868C-EC4F-B227-B0E7EEAFAF2D}" type="datetimeFigureOut">
               <a:rPr lang="en-GB" smtClean="0"/>
-              <a:t>06/12/2017</a:t>
+              <a:t>10/01/2018</a:t>
             </a:fld>
             <a:endParaRPr lang="en-GB"/>
           </a:p>
@@ -1116,7 +1116,7 @@
           <a:p>
             <a:fld id="{A79B0C5A-868C-EC4F-B227-B0E7EEAFAF2D}" type="datetimeFigureOut">
               <a:rPr lang="en-GB" smtClean="0"/>
-              <a:t>06/12/2017</a:t>
+              <a:t>10/01/2018</a:t>
             </a:fld>
             <a:endParaRPr lang="en-GB"/>
           </a:p>
@@ -1362,7 +1362,7 @@
           <a:p>
             <a:fld id="{A79B0C5A-868C-EC4F-B227-B0E7EEAFAF2D}" type="datetimeFigureOut">
               <a:rPr lang="en-GB" smtClean="0"/>
-              <a:t>06/12/2017</a:t>
+              <a:t>10/01/2018</a:t>
             </a:fld>
             <a:endParaRPr lang="en-GB"/>
           </a:p>
@@ -1594,7 +1594,7 @@
           <a:p>
             <a:fld id="{A79B0C5A-868C-EC4F-B227-B0E7EEAFAF2D}" type="datetimeFigureOut">
               <a:rPr lang="en-GB" smtClean="0"/>
-              <a:t>06/12/2017</a:t>
+              <a:t>10/01/2018</a:t>
             </a:fld>
             <a:endParaRPr lang="en-GB"/>
           </a:p>
@@ -1961,7 +1961,7 @@
           <a:p>
             <a:fld id="{A79B0C5A-868C-EC4F-B227-B0E7EEAFAF2D}" type="datetimeFigureOut">
               <a:rPr lang="en-GB" smtClean="0"/>
-              <a:t>06/12/2017</a:t>
+              <a:t>10/01/2018</a:t>
             </a:fld>
             <a:endParaRPr lang="en-GB"/>
           </a:p>
@@ -2079,7 +2079,7 @@
           <a:p>
             <a:fld id="{A79B0C5A-868C-EC4F-B227-B0E7EEAFAF2D}" type="datetimeFigureOut">
               <a:rPr lang="en-GB" smtClean="0"/>
-              <a:t>06/12/2017</a:t>
+              <a:t>10/01/2018</a:t>
             </a:fld>
             <a:endParaRPr lang="en-GB"/>
           </a:p>
@@ -2174,7 +2174,7 @@
           <a:p>
             <a:fld id="{A79B0C5A-868C-EC4F-B227-B0E7EEAFAF2D}" type="datetimeFigureOut">
               <a:rPr lang="en-GB" smtClean="0"/>
-              <a:t>06/12/2017</a:t>
+              <a:t>10/01/2018</a:t>
             </a:fld>
             <a:endParaRPr lang="en-GB"/>
           </a:p>
@@ -2451,7 +2451,7 @@
           <a:p>
             <a:fld id="{A79B0C5A-868C-EC4F-B227-B0E7EEAFAF2D}" type="datetimeFigureOut">
               <a:rPr lang="en-GB" smtClean="0"/>
-              <a:t>06/12/2017</a:t>
+              <a:t>10/01/2018</a:t>
             </a:fld>
             <a:endParaRPr lang="en-GB"/>
           </a:p>
@@ -2704,7 +2704,7 @@
           <a:p>
             <a:fld id="{A79B0C5A-868C-EC4F-B227-B0E7EEAFAF2D}" type="datetimeFigureOut">
               <a:rPr lang="en-GB" smtClean="0"/>
-              <a:t>06/12/2017</a:t>
+              <a:t>10/01/2018</a:t>
             </a:fld>
             <a:endParaRPr lang="en-GB"/>
           </a:p>
@@ -2917,7 +2917,7 @@
           <a:p>
             <a:fld id="{A79B0C5A-868C-EC4F-B227-B0E7EEAFAF2D}" type="datetimeFigureOut">
               <a:rPr lang="en-GB" smtClean="0"/>
-              <a:t>06/12/2017</a:t>
+              <a:t>10/01/2018</a:t>
             </a:fld>
             <a:endParaRPr lang="en-GB"/>
           </a:p>
@@ -3324,7 +3324,7 @@
       </p:grpSpPr>
       <p:grpSp>
         <p:nvGrpSpPr>
-          <p:cNvPr id="162" name="Group 161"/>
+          <p:cNvPr id="45" name="Group 44"/>
           <p:cNvGrpSpPr/>
           <p:nvPr/>
         </p:nvGrpSpPr>
@@ -3332,1348 +3332,20 @@
           <a:xfrm>
             <a:off x="630325" y="3831271"/>
             <a:ext cx="11409938" cy="1984881"/>
-            <a:chOff x="524190" y="492078"/>
+            <a:chOff x="822573" y="578706"/>
             <a:chExt cx="11409938" cy="1984881"/>
           </a:xfrm>
         </p:grpSpPr>
-        <p:grpSp>
-          <p:nvGrpSpPr>
-            <p:cNvPr id="45" name="Group 44"/>
-            <p:cNvGrpSpPr/>
-            <p:nvPr/>
-          </p:nvGrpSpPr>
-          <p:grpSpPr>
-            <a:xfrm>
-              <a:off x="524190" y="492078"/>
-              <a:ext cx="11409938" cy="1984881"/>
-              <a:chOff x="822573" y="578706"/>
-              <a:chExt cx="11409938" cy="1984881"/>
-            </a:xfrm>
-          </p:grpSpPr>
-          <p:cxnSp>
-            <p:nvCxnSpPr>
-              <p:cNvPr id="38" name="Straight Arrow Connector 37"/>
-              <p:cNvCxnSpPr/>
-              <p:nvPr/>
-            </p:nvCxnSpPr>
-            <p:spPr>
-              <a:xfrm>
-                <a:off x="9923820" y="1604239"/>
-                <a:ext cx="1062453" cy="0"/>
-              </a:xfrm>
-              <a:prstGeom prst="straightConnector1">
-                <a:avLst/>
-              </a:prstGeom>
-              <a:solidFill>
-                <a:srgbClr val="C00000"/>
-              </a:solidFill>
-              <a:ln w="50800">
-                <a:solidFill>
-                  <a:srgbClr val="C00000"/>
-                </a:solidFill>
-                <a:tailEnd type="triangle"/>
-              </a:ln>
-            </p:spPr>
-            <p:style>
-              <a:lnRef idx="1">
-                <a:schemeClr val="accent1"/>
-              </a:lnRef>
-              <a:fillRef idx="0">
-                <a:schemeClr val="accent1"/>
-              </a:fillRef>
-              <a:effectRef idx="0">
-                <a:schemeClr val="accent1"/>
-              </a:effectRef>
-              <a:fontRef idx="minor">
-                <a:schemeClr val="tx1"/>
-              </a:fontRef>
-            </p:style>
-          </p:cxnSp>
-          <p:cxnSp>
-            <p:nvCxnSpPr>
-              <p:cNvPr id="39" name="Straight Arrow Connector 38"/>
-              <p:cNvCxnSpPr/>
-              <p:nvPr/>
-            </p:nvCxnSpPr>
-            <p:spPr>
-              <a:xfrm flipV="1">
-                <a:off x="11475730" y="769557"/>
-                <a:ext cx="0" cy="345808"/>
-              </a:xfrm>
-              <a:prstGeom prst="straightConnector1">
-                <a:avLst/>
-              </a:prstGeom>
-              <a:solidFill>
-                <a:srgbClr val="C00000"/>
-              </a:solidFill>
-              <a:ln w="50800">
-                <a:solidFill>
-                  <a:srgbClr val="C00000"/>
-                </a:solidFill>
-                <a:tailEnd type="triangle"/>
-              </a:ln>
-            </p:spPr>
-            <p:style>
-              <a:lnRef idx="1">
-                <a:schemeClr val="accent1"/>
-              </a:lnRef>
-              <a:fillRef idx="0">
-                <a:schemeClr val="accent1"/>
-              </a:fillRef>
-              <a:effectRef idx="0">
-                <a:schemeClr val="accent1"/>
-              </a:effectRef>
-              <a:fontRef idx="minor">
-                <a:schemeClr val="tx1"/>
-              </a:fontRef>
-            </p:style>
-          </p:cxnSp>
-          <p:grpSp>
-            <p:nvGrpSpPr>
-              <p:cNvPr id="44" name="Group 43"/>
-              <p:cNvGrpSpPr/>
-              <p:nvPr/>
-            </p:nvGrpSpPr>
-            <p:grpSpPr>
-              <a:xfrm>
-                <a:off x="822573" y="578706"/>
-                <a:ext cx="11409938" cy="1984881"/>
-                <a:chOff x="822573" y="578706"/>
-                <a:chExt cx="11409938" cy="1984881"/>
-              </a:xfrm>
-            </p:grpSpPr>
-            <p:grpSp>
-              <p:nvGrpSpPr>
-                <p:cNvPr id="11" name="Group 10"/>
-                <p:cNvGrpSpPr/>
-                <p:nvPr/>
-              </p:nvGrpSpPr>
-              <p:grpSpPr>
-                <a:xfrm>
-                  <a:off x="822573" y="578706"/>
-                  <a:ext cx="9341963" cy="1984881"/>
-                  <a:chOff x="781751" y="2007455"/>
-                  <a:chExt cx="11229245" cy="2401826"/>
-                </a:xfrm>
-              </p:grpSpPr>
-              <p:grpSp>
-                <p:nvGrpSpPr>
-                  <p:cNvPr id="9" name="Group 8"/>
-                  <p:cNvGrpSpPr/>
-                  <p:nvPr/>
-                </p:nvGrpSpPr>
-                <p:grpSpPr>
-                  <a:xfrm>
-                    <a:off x="781751" y="2007455"/>
-                    <a:ext cx="11229245" cy="2401826"/>
-                    <a:chOff x="781751" y="2007455"/>
-                    <a:chExt cx="11229245" cy="2401826"/>
-                  </a:xfrm>
-                </p:grpSpPr>
-                <p:sp>
-                  <p:nvSpPr>
-                    <p:cNvPr id="28" name="TextBox 27"/>
-                    <p:cNvSpPr txBox="1"/>
-                    <p:nvPr/>
-                  </p:nvSpPr>
-                  <p:spPr>
-                    <a:xfrm>
-                      <a:off x="11115812" y="2034285"/>
-                      <a:ext cx="895184" cy="369332"/>
-                    </a:xfrm>
-                    <a:prstGeom prst="rect">
-                      <a:avLst/>
-                    </a:prstGeom>
-                    <a:noFill/>
-                  </p:spPr>
-                  <p:txBody>
-                    <a:bodyPr wrap="square" rtlCol="0">
-                      <a:spAutoFit/>
-                    </a:bodyPr>
-                    <a:lstStyle/>
-                    <a:p>
-                      <a:r>
-                        <a:rPr lang="en-GB" sz="1400" dirty="0" smtClean="0"/>
-                        <a:t>Deaths</a:t>
-                      </a:r>
-                      <a:endParaRPr lang="en-GB" sz="1400" dirty="0"/>
-                    </a:p>
-                  </p:txBody>
-                </p:sp>
-                <p:grpSp>
-                  <p:nvGrpSpPr>
-                    <p:cNvPr id="7" name="Group 6"/>
-                    <p:cNvGrpSpPr>
-                      <a:grpSpLocks noChangeAspect="1"/>
-                    </p:cNvGrpSpPr>
-                    <p:nvPr/>
-                  </p:nvGrpSpPr>
-                  <p:grpSpPr>
-                    <a:xfrm>
-                      <a:off x="781751" y="2007455"/>
-                      <a:ext cx="10939899" cy="2401826"/>
-                      <a:chOff x="781751" y="2007455"/>
-                      <a:chExt cx="10939899" cy="2401826"/>
-                    </a:xfrm>
-                  </p:grpSpPr>
-                  <p:grpSp>
-                    <p:nvGrpSpPr>
-                      <p:cNvPr id="36" name="Group 35"/>
-                      <p:cNvGrpSpPr>
-                        <a:grpSpLocks noChangeAspect="1"/>
-                      </p:cNvGrpSpPr>
-                      <p:nvPr/>
-                    </p:nvGrpSpPr>
-                    <p:grpSpPr>
-                      <a:xfrm>
-                        <a:off x="781751" y="2007455"/>
-                        <a:ext cx="8786793" cy="2401826"/>
-                        <a:chOff x="595994" y="1497565"/>
-                        <a:chExt cx="10857572" cy="2923272"/>
-                      </a:xfrm>
-                    </p:grpSpPr>
-                    <p:grpSp>
-                      <p:nvGrpSpPr>
-                        <p:cNvPr id="23" name="Group 22"/>
-                        <p:cNvGrpSpPr/>
-                        <p:nvPr/>
-                      </p:nvGrpSpPr>
-                      <p:grpSpPr>
-                        <a:xfrm>
-                          <a:off x="595994" y="1778645"/>
-                          <a:ext cx="10494191" cy="1952797"/>
-                          <a:chOff x="595994" y="1778645"/>
-                          <a:chExt cx="10494191" cy="1952797"/>
-                        </a:xfrm>
-                      </p:grpSpPr>
-                      <p:grpSp>
-                        <p:nvGrpSpPr>
-                          <p:cNvPr id="14" name="Group 13"/>
-                          <p:cNvGrpSpPr/>
-                          <p:nvPr/>
-                        </p:nvGrpSpPr>
-                        <p:grpSpPr>
-                          <a:xfrm>
-                            <a:off x="595994" y="2291442"/>
-                            <a:ext cx="10494191" cy="1440000"/>
-                            <a:chOff x="595994" y="2291442"/>
-                            <a:chExt cx="10494191" cy="1440000"/>
-                          </a:xfrm>
-                        </p:grpSpPr>
-                        <p:grpSp>
-                          <p:nvGrpSpPr>
-                            <p:cNvPr id="6" name="Group 5"/>
-                            <p:cNvGrpSpPr/>
-                            <p:nvPr/>
-                          </p:nvGrpSpPr>
-                          <p:grpSpPr>
-                            <a:xfrm>
-                              <a:off x="595994" y="2291442"/>
-                              <a:ext cx="10494191" cy="1440000"/>
-                              <a:chOff x="595994" y="2291442"/>
-                              <a:chExt cx="10494191" cy="1440000"/>
-                            </a:xfrm>
-                          </p:grpSpPr>
-                          <p:sp>
-                            <p:nvSpPr>
-                              <p:cNvPr id="2" name="Rounded Rectangle 1"/>
-                              <p:cNvSpPr/>
-                              <p:nvPr/>
-                            </p:nvSpPr>
-                            <p:spPr>
-                              <a:xfrm>
-                                <a:off x="595994" y="2291442"/>
-                                <a:ext cx="1440000" cy="1440000"/>
-                              </a:xfrm>
-                              <a:prstGeom prst="roundRect">
-                                <a:avLst/>
-                              </a:prstGeom>
-                              <a:solidFill>
-                                <a:srgbClr val="C00000"/>
-                              </a:solidFill>
-                            </p:spPr>
-                            <p:style>
-                              <a:lnRef idx="2">
-                                <a:schemeClr val="accent1">
-                                  <a:shade val="50000"/>
-                                </a:schemeClr>
-                              </a:lnRef>
-                              <a:fillRef idx="1">
-                                <a:schemeClr val="accent1"/>
-                              </a:fillRef>
-                              <a:effectRef idx="0">
-                                <a:schemeClr val="accent1"/>
-                              </a:effectRef>
-                              <a:fontRef idx="minor">
-                                <a:schemeClr val="lt1"/>
-                              </a:fontRef>
-                            </p:style>
-                            <p:txBody>
-                              <a:bodyPr rtlCol="0" anchor="ctr"/>
-                              <a:lstStyle/>
-                              <a:p>
-                                <a:pPr algn="ctr"/>
-                                <a:r>
-                                  <a:rPr lang="en-GB" sz="4000" dirty="0" smtClean="0">
-                                    <a:solidFill>
-                                      <a:schemeClr val="bg1"/>
-                                    </a:solidFill>
-                                  </a:rPr>
-                                  <a:t>S</a:t>
-                                </a:r>
-                                <a:r>
-                                  <a:rPr lang="en-GB" sz="4000" baseline="-25000" dirty="0">
-                                    <a:solidFill>
-                                      <a:schemeClr val="bg1"/>
-                                    </a:solidFill>
-                                  </a:rPr>
-                                  <a:t>H</a:t>
-                                </a:r>
-                                <a:endParaRPr lang="en-GB" sz="4000" dirty="0">
-                                  <a:solidFill>
-                                    <a:schemeClr val="bg1"/>
-                                  </a:solidFill>
-                                </a:endParaRPr>
-                              </a:p>
-                            </p:txBody>
-                          </p:sp>
-                          <p:sp>
-                            <p:nvSpPr>
-                              <p:cNvPr id="3" name="Rounded Rectangle 2"/>
-                              <p:cNvSpPr/>
-                              <p:nvPr/>
-                            </p:nvSpPr>
-                            <p:spPr>
-                              <a:xfrm>
-                                <a:off x="6632122" y="2291442"/>
-                                <a:ext cx="1440000" cy="1440000"/>
-                              </a:xfrm>
-                              <a:prstGeom prst="roundRect">
-                                <a:avLst/>
-                              </a:prstGeom>
-                              <a:solidFill>
-                                <a:srgbClr val="C00000"/>
-                              </a:solidFill>
-                            </p:spPr>
-                            <p:style>
-                              <a:lnRef idx="2">
-                                <a:schemeClr val="accent1">
-                                  <a:shade val="50000"/>
-                                </a:schemeClr>
-                              </a:lnRef>
-                              <a:fillRef idx="1">
-                                <a:schemeClr val="accent1"/>
-                              </a:fillRef>
-                              <a:effectRef idx="0">
-                                <a:schemeClr val="accent1"/>
-                              </a:effectRef>
-                              <a:fontRef idx="minor">
-                                <a:schemeClr val="lt1"/>
-                              </a:fontRef>
-                            </p:style>
-                            <p:txBody>
-                              <a:bodyPr rtlCol="0" anchor="ctr"/>
-                              <a:lstStyle/>
-                              <a:p>
-                                <a:pPr algn="ctr"/>
-                                <a:r>
-                                  <a:rPr lang="en-GB" sz="4000" dirty="0" smtClean="0">
-                                    <a:solidFill>
-                                      <a:schemeClr val="bg1"/>
-                                    </a:solidFill>
-                                  </a:rPr>
-                                  <a:t>L</a:t>
-                                </a:r>
-                                <a:r>
-                                  <a:rPr lang="en-GB" sz="4000" baseline="-25000" dirty="0">
-                                    <a:solidFill>
-                                      <a:schemeClr val="bg1"/>
-                                    </a:solidFill>
-                                  </a:rPr>
-                                  <a:t>H</a:t>
-                                </a:r>
-                                <a:endParaRPr lang="en-GB" sz="4000" dirty="0">
-                                  <a:solidFill>
-                                    <a:schemeClr val="bg1"/>
-                                  </a:solidFill>
-                                </a:endParaRPr>
-                              </a:p>
-                            </p:txBody>
-                          </p:sp>
-                          <p:sp>
-                            <p:nvSpPr>
-                              <p:cNvPr id="4" name="Rounded Rectangle 3"/>
-                              <p:cNvSpPr/>
-                              <p:nvPr/>
-                            </p:nvSpPr>
-                            <p:spPr>
-                              <a:xfrm>
-                                <a:off x="3607257" y="2291442"/>
-                                <a:ext cx="1440000" cy="1440000"/>
-                              </a:xfrm>
-                              <a:prstGeom prst="roundRect">
-                                <a:avLst/>
-                              </a:prstGeom>
-                              <a:solidFill>
-                                <a:srgbClr val="C00000"/>
-                              </a:solidFill>
-                            </p:spPr>
-                            <p:style>
-                              <a:lnRef idx="2">
-                                <a:schemeClr val="accent1">
-                                  <a:shade val="50000"/>
-                                </a:schemeClr>
-                              </a:lnRef>
-                              <a:fillRef idx="1">
-                                <a:schemeClr val="accent1"/>
-                              </a:fillRef>
-                              <a:effectRef idx="0">
-                                <a:schemeClr val="accent1"/>
-                              </a:effectRef>
-                              <a:fontRef idx="minor">
-                                <a:schemeClr val="lt1"/>
-                              </a:fontRef>
-                            </p:style>
-                            <p:txBody>
-                              <a:bodyPr rtlCol="0" anchor="ctr"/>
-                              <a:lstStyle/>
-                              <a:p>
-                                <a:pPr algn="ctr"/>
-                                <a:r>
-                                  <a:rPr lang="en-GB" sz="4000" dirty="0" smtClean="0">
-                                    <a:solidFill>
-                                      <a:schemeClr val="bg1"/>
-                                    </a:solidFill>
-                                  </a:rPr>
-                                  <a:t>H</a:t>
-                                </a:r>
-                                <a:r>
-                                  <a:rPr lang="en-GB" sz="4000" baseline="-25000" dirty="0">
-                                    <a:solidFill>
-                                      <a:schemeClr val="bg1"/>
-                                    </a:solidFill>
-                                  </a:rPr>
-                                  <a:t>H</a:t>
-                                </a:r>
-                                <a:endParaRPr lang="en-GB" sz="4000" dirty="0">
-                                  <a:solidFill>
-                                    <a:schemeClr val="bg1"/>
-                                  </a:solidFill>
-                                </a:endParaRPr>
-                              </a:p>
-                            </p:txBody>
-                          </p:sp>
-                          <p:sp>
-                            <p:nvSpPr>
-                              <p:cNvPr id="5" name="Rounded Rectangle 4"/>
-                              <p:cNvSpPr/>
-                              <p:nvPr/>
-                            </p:nvSpPr>
-                            <p:spPr>
-                              <a:xfrm>
-                                <a:off x="9650185" y="2291442"/>
-                                <a:ext cx="1440000" cy="1440000"/>
-                              </a:xfrm>
-                              <a:prstGeom prst="roundRect">
-                                <a:avLst/>
-                              </a:prstGeom>
-                              <a:solidFill>
-                                <a:srgbClr val="C00000"/>
-                              </a:solidFill>
-                            </p:spPr>
-                            <p:style>
-                              <a:lnRef idx="2">
-                                <a:schemeClr val="accent1">
-                                  <a:shade val="50000"/>
-                                </a:schemeClr>
-                              </a:lnRef>
-                              <a:fillRef idx="1">
-                                <a:schemeClr val="accent1"/>
-                              </a:fillRef>
-                              <a:effectRef idx="0">
-                                <a:schemeClr val="accent1"/>
-                              </a:effectRef>
-                              <a:fontRef idx="minor">
-                                <a:schemeClr val="lt1"/>
-                              </a:fontRef>
-                            </p:style>
-                            <p:txBody>
-                              <a:bodyPr rtlCol="0" anchor="ctr"/>
-                              <a:lstStyle/>
-                              <a:p>
-                                <a:pPr algn="ctr"/>
-                                <a:r>
-                                  <a:rPr lang="en-GB" sz="4000" dirty="0" smtClean="0">
-                                    <a:solidFill>
-                                      <a:schemeClr val="bg1"/>
-                                    </a:solidFill>
-                                  </a:rPr>
-                                  <a:t>I</a:t>
-                                </a:r>
-                                <a:r>
-                                  <a:rPr lang="en-GB" sz="4000" baseline="-25000" dirty="0">
-                                    <a:solidFill>
-                                      <a:schemeClr val="bg1"/>
-                                    </a:solidFill>
-                                  </a:rPr>
-                                  <a:t>H</a:t>
-                                </a:r>
-                                <a:endParaRPr lang="en-GB" sz="4000" dirty="0">
-                                  <a:solidFill>
-                                    <a:schemeClr val="bg1"/>
-                                  </a:solidFill>
-                                </a:endParaRPr>
-                              </a:p>
-                            </p:txBody>
-                          </p:sp>
-                        </p:grpSp>
-                        <p:cxnSp>
-                          <p:nvCxnSpPr>
-                            <p:cNvPr id="8" name="Straight Arrow Connector 7"/>
-                            <p:cNvCxnSpPr>
-                              <a:stCxn id="2" idx="3"/>
-                              <a:endCxn id="4" idx="1"/>
-                            </p:cNvCxnSpPr>
-                            <p:nvPr/>
-                          </p:nvCxnSpPr>
-                          <p:spPr>
-                            <a:xfrm>
-                              <a:off x="2035994" y="3011442"/>
-                              <a:ext cx="1571263" cy="0"/>
-                            </a:xfrm>
-                            <a:prstGeom prst="straightConnector1">
-                              <a:avLst/>
-                            </a:prstGeom>
-                            <a:ln w="50800">
-                              <a:solidFill>
-                                <a:srgbClr val="C00000"/>
-                              </a:solidFill>
-                              <a:tailEnd type="triangle"/>
-                            </a:ln>
-                          </p:spPr>
-                          <p:style>
-                            <a:lnRef idx="1">
-                              <a:schemeClr val="accent1"/>
-                            </a:lnRef>
-                            <a:fillRef idx="0">
-                              <a:schemeClr val="accent1"/>
-                            </a:fillRef>
-                            <a:effectRef idx="0">
-                              <a:schemeClr val="accent1"/>
-                            </a:effectRef>
-                            <a:fontRef idx="minor">
-                              <a:schemeClr val="tx1"/>
-                            </a:fontRef>
-                          </p:style>
-                        </p:cxnSp>
-                        <p:cxnSp>
-                          <p:nvCxnSpPr>
-                            <p:cNvPr id="10" name="Straight Arrow Connector 9"/>
-                            <p:cNvCxnSpPr>
-                              <a:stCxn id="4" idx="3"/>
-                              <a:endCxn id="3" idx="1"/>
-                            </p:cNvCxnSpPr>
-                            <p:nvPr/>
-                          </p:nvCxnSpPr>
-                          <p:spPr>
-                            <a:xfrm>
-                              <a:off x="5047257" y="3011442"/>
-                              <a:ext cx="1584865" cy="0"/>
-                            </a:xfrm>
-                            <a:prstGeom prst="straightConnector1">
-                              <a:avLst/>
-                            </a:prstGeom>
-                            <a:solidFill>
-                              <a:srgbClr val="C00000"/>
-                            </a:solidFill>
-                            <a:ln w="50800">
-                              <a:solidFill>
-                                <a:srgbClr val="C00000"/>
-                              </a:solidFill>
-                              <a:tailEnd type="triangle"/>
-                            </a:ln>
-                          </p:spPr>
-                          <p:style>
-                            <a:lnRef idx="1">
-                              <a:schemeClr val="accent1"/>
-                            </a:lnRef>
-                            <a:fillRef idx="0">
-                              <a:schemeClr val="accent1"/>
-                            </a:fillRef>
-                            <a:effectRef idx="0">
-                              <a:schemeClr val="accent1"/>
-                            </a:effectRef>
-                            <a:fontRef idx="minor">
-                              <a:schemeClr val="tx1"/>
-                            </a:fontRef>
-                          </p:style>
-                        </p:cxnSp>
-                        <p:cxnSp>
-                          <p:nvCxnSpPr>
-                            <p:cNvPr id="12" name="Straight Arrow Connector 11"/>
-                            <p:cNvCxnSpPr>
-                              <a:stCxn id="3" idx="3"/>
-                              <a:endCxn id="5" idx="1"/>
-                            </p:cNvCxnSpPr>
-                            <p:nvPr/>
-                          </p:nvCxnSpPr>
-                          <p:spPr>
-                            <a:xfrm>
-                              <a:off x="8072122" y="3011442"/>
-                              <a:ext cx="1578064" cy="0"/>
-                            </a:xfrm>
-                            <a:prstGeom prst="straightConnector1">
-                              <a:avLst/>
-                            </a:prstGeom>
-                            <a:solidFill>
-                              <a:srgbClr val="C00000"/>
-                            </a:solidFill>
-                            <a:ln w="50800">
-                              <a:solidFill>
-                                <a:srgbClr val="C00000"/>
-                              </a:solidFill>
-                              <a:tailEnd type="triangle"/>
-                            </a:ln>
-                          </p:spPr>
-                          <p:style>
-                            <a:lnRef idx="1">
-                              <a:schemeClr val="accent1"/>
-                            </a:lnRef>
-                            <a:fillRef idx="0">
-                              <a:schemeClr val="accent1"/>
-                            </a:fillRef>
-                            <a:effectRef idx="0">
-                              <a:schemeClr val="accent1"/>
-                            </a:effectRef>
-                            <a:fontRef idx="minor">
-                              <a:schemeClr val="tx1"/>
-                            </a:fontRef>
-                          </p:style>
-                        </p:cxnSp>
-                      </p:grpSp>
-                      <p:cxnSp>
-                        <p:nvCxnSpPr>
-                          <p:cNvPr id="16" name="Straight Arrow Connector 15"/>
-                          <p:cNvCxnSpPr>
-                            <a:stCxn id="2" idx="0"/>
-                          </p:cNvCxnSpPr>
-                          <p:nvPr/>
-                        </p:nvCxnSpPr>
-                        <p:spPr>
-                          <a:xfrm flipV="1">
-                            <a:off x="1315994" y="1782147"/>
-                            <a:ext cx="0" cy="509295"/>
-                          </a:xfrm>
-                          <a:prstGeom prst="straightConnector1">
-                            <a:avLst/>
-                          </a:prstGeom>
-                          <a:ln w="50800">
-                            <a:solidFill>
-                              <a:srgbClr val="C00000"/>
-                            </a:solidFill>
-                            <a:tailEnd type="triangle"/>
-                          </a:ln>
-                        </p:spPr>
-                        <p:style>
-                          <a:lnRef idx="1">
-                            <a:schemeClr val="accent1"/>
-                          </a:lnRef>
-                          <a:fillRef idx="0">
-                            <a:schemeClr val="accent1"/>
-                          </a:fillRef>
-                          <a:effectRef idx="0">
-                            <a:schemeClr val="accent1"/>
-                          </a:effectRef>
-                          <a:fontRef idx="minor">
-                            <a:schemeClr val="tx1"/>
-                          </a:fontRef>
-                        </p:style>
-                      </p:cxnSp>
-                      <p:cxnSp>
-                        <p:nvCxnSpPr>
-                          <p:cNvPr id="20" name="Straight Arrow Connector 19"/>
-                          <p:cNvCxnSpPr>
-                            <a:stCxn id="20" idx="0"/>
-                          </p:cNvCxnSpPr>
-                          <p:nvPr/>
-                        </p:nvCxnSpPr>
-                        <p:spPr>
-                          <a:xfrm flipV="1">
-                            <a:off x="4328215" y="1782146"/>
-                            <a:ext cx="0" cy="509295"/>
-                          </a:xfrm>
-                          <a:prstGeom prst="straightConnector1">
-                            <a:avLst/>
-                          </a:prstGeom>
-                          <a:ln w="50800">
-                            <a:solidFill>
-                              <a:srgbClr val="C00000"/>
-                            </a:solidFill>
-                            <a:tailEnd type="triangle"/>
-                          </a:ln>
-                        </p:spPr>
-                        <p:style>
-                          <a:lnRef idx="1">
-                            <a:schemeClr val="accent1"/>
-                          </a:lnRef>
-                          <a:fillRef idx="0">
-                            <a:schemeClr val="accent1"/>
-                          </a:fillRef>
-                          <a:effectRef idx="0">
-                            <a:schemeClr val="accent1"/>
-                          </a:effectRef>
-                          <a:fontRef idx="minor">
-                            <a:schemeClr val="tx1"/>
-                          </a:fontRef>
-                        </p:style>
-                      </p:cxnSp>
-                      <p:cxnSp>
-                        <p:nvCxnSpPr>
-                          <p:cNvPr id="21" name="Straight Arrow Connector 20"/>
-                          <p:cNvCxnSpPr>
-                            <a:stCxn id="21" idx="0"/>
-                          </p:cNvCxnSpPr>
-                          <p:nvPr/>
-                        </p:nvCxnSpPr>
-                        <p:spPr>
-                          <a:xfrm flipV="1">
-                            <a:off x="7352122" y="1778646"/>
-                            <a:ext cx="0" cy="509295"/>
-                          </a:xfrm>
-                          <a:prstGeom prst="straightConnector1">
-                            <a:avLst/>
-                          </a:prstGeom>
-                          <a:ln w="50800">
-                            <a:solidFill>
-                              <a:srgbClr val="C00000"/>
-                            </a:solidFill>
-                            <a:tailEnd type="triangle"/>
-                          </a:ln>
-                        </p:spPr>
-                        <p:style>
-                          <a:lnRef idx="1">
-                            <a:schemeClr val="accent1"/>
-                          </a:lnRef>
-                          <a:fillRef idx="0">
-                            <a:schemeClr val="accent1"/>
-                          </a:fillRef>
-                          <a:effectRef idx="0">
-                            <a:schemeClr val="accent1"/>
-                          </a:effectRef>
-                          <a:fontRef idx="minor">
-                            <a:schemeClr val="tx1"/>
-                          </a:fontRef>
-                        </p:style>
-                      </p:cxnSp>
-                      <p:cxnSp>
-                        <p:nvCxnSpPr>
-                          <p:cNvPr id="22" name="Straight Arrow Connector 21"/>
-                          <p:cNvCxnSpPr>
-                            <a:stCxn id="22" idx="0"/>
-                          </p:cNvCxnSpPr>
-                          <p:nvPr/>
-                        </p:nvCxnSpPr>
-                        <p:spPr>
-                          <a:xfrm flipV="1">
-                            <a:off x="10370186" y="1778645"/>
-                            <a:ext cx="0" cy="509295"/>
-                          </a:xfrm>
-                          <a:prstGeom prst="straightConnector1">
-                            <a:avLst/>
-                          </a:prstGeom>
-                          <a:ln w="50800">
-                            <a:solidFill>
-                              <a:srgbClr val="C00000"/>
-                            </a:solidFill>
-                            <a:tailEnd type="triangle"/>
-                          </a:ln>
-                        </p:spPr>
-                        <p:style>
-                          <a:lnRef idx="1">
-                            <a:schemeClr val="accent1"/>
-                          </a:lnRef>
-                          <a:fillRef idx="0">
-                            <a:schemeClr val="accent1"/>
-                          </a:fillRef>
-                          <a:effectRef idx="0">
-                            <a:schemeClr val="accent1"/>
-                          </a:effectRef>
-                          <a:fontRef idx="minor">
-                            <a:schemeClr val="tx1"/>
-                          </a:fontRef>
-                        </p:style>
-                      </p:cxnSp>
-                    </p:grpSp>
-                    <p:cxnSp>
-                      <p:nvCxnSpPr>
-                        <p:cNvPr id="25" name="Straight Arrow Connector 24"/>
-                        <p:cNvCxnSpPr>
-                          <a:endCxn id="2" idx="2"/>
-                        </p:cNvCxnSpPr>
-                        <p:nvPr/>
-                      </p:nvCxnSpPr>
-                      <p:spPr>
-                        <a:xfrm flipV="1">
-                          <a:off x="1315994" y="3731442"/>
-                          <a:ext cx="0" cy="509295"/>
-                        </a:xfrm>
-                        <a:prstGeom prst="straightConnector1">
-                          <a:avLst/>
-                        </a:prstGeom>
-                        <a:ln w="50800">
-                          <a:solidFill>
-                            <a:srgbClr val="C00000"/>
-                          </a:solidFill>
-                          <a:tailEnd type="triangle"/>
-                        </a:ln>
-                      </p:spPr>
-                      <p:style>
-                        <a:lnRef idx="1">
-                          <a:schemeClr val="accent1"/>
-                        </a:lnRef>
-                        <a:fillRef idx="0">
-                          <a:schemeClr val="accent1"/>
-                        </a:fillRef>
-                        <a:effectRef idx="0">
-                          <a:schemeClr val="accent1"/>
-                        </a:effectRef>
-                        <a:fontRef idx="minor">
-                          <a:schemeClr val="tx1"/>
-                        </a:fontRef>
-                      </p:style>
-                    </p:cxnSp>
-                    <p:sp>
-                      <p:nvSpPr>
-                        <p:cNvPr id="31" name="TextBox 30"/>
-                        <p:cNvSpPr txBox="1"/>
-                        <p:nvPr/>
-                      </p:nvSpPr>
-                      <p:spPr>
-                        <a:xfrm>
-                          <a:off x="1390450" y="1497565"/>
-                          <a:ext cx="1245889" cy="449515"/>
-                        </a:xfrm>
-                        <a:prstGeom prst="rect">
-                          <a:avLst/>
-                        </a:prstGeom>
-                        <a:noFill/>
-                      </p:spPr>
-                      <p:txBody>
-                        <a:bodyPr wrap="square" rtlCol="0">
-                          <a:spAutoFit/>
-                        </a:bodyPr>
-                        <a:lstStyle/>
-                        <a:p>
-                          <a:r>
-                            <a:rPr lang="en-GB" sz="1400" dirty="0" smtClean="0"/>
-                            <a:t>Deaths</a:t>
-                          </a:r>
-                          <a:endParaRPr lang="en-GB" sz="1400" dirty="0"/>
-                        </a:p>
-                      </p:txBody>
-                    </p:sp>
-                    <p:sp>
-                      <p:nvSpPr>
-                        <p:cNvPr id="32" name="TextBox 31"/>
-                        <p:cNvSpPr txBox="1"/>
-                        <p:nvPr/>
-                      </p:nvSpPr>
-                      <p:spPr>
-                        <a:xfrm>
-                          <a:off x="4408514" y="1530220"/>
-                          <a:ext cx="1103008" cy="449515"/>
-                        </a:xfrm>
-                        <a:prstGeom prst="rect">
-                          <a:avLst/>
-                        </a:prstGeom>
-                        <a:noFill/>
-                      </p:spPr>
-                      <p:txBody>
-                        <a:bodyPr wrap="square" rtlCol="0">
-                          <a:spAutoFit/>
-                        </a:bodyPr>
-                        <a:lstStyle/>
-                        <a:p>
-                          <a:r>
-                            <a:rPr lang="en-GB" sz="1400" dirty="0" smtClean="0"/>
-                            <a:t>Deaths</a:t>
-                          </a:r>
-                          <a:endParaRPr lang="en-GB" sz="1400" dirty="0"/>
-                        </a:p>
-                      </p:txBody>
-                    </p:sp>
-                    <p:sp>
-                      <p:nvSpPr>
-                        <p:cNvPr id="33" name="TextBox 32"/>
-                        <p:cNvSpPr txBox="1"/>
-                        <p:nvPr/>
-                      </p:nvSpPr>
-                      <p:spPr>
-                        <a:xfrm>
-                          <a:off x="7377947" y="1497565"/>
-                          <a:ext cx="1128864" cy="449515"/>
-                        </a:xfrm>
-                        <a:prstGeom prst="rect">
-                          <a:avLst/>
-                        </a:prstGeom>
-                        <a:noFill/>
-                      </p:spPr>
-                      <p:txBody>
-                        <a:bodyPr wrap="square" rtlCol="0">
-                          <a:spAutoFit/>
-                        </a:bodyPr>
-                        <a:lstStyle/>
-                        <a:p>
-                          <a:r>
-                            <a:rPr lang="en-GB" sz="1400" dirty="0" smtClean="0"/>
-                            <a:t>Deaths</a:t>
-                          </a:r>
-                          <a:endParaRPr lang="en-GB" sz="1400" dirty="0"/>
-                        </a:p>
-                      </p:txBody>
-                    </p:sp>
-                    <p:sp>
-                      <p:nvSpPr>
-                        <p:cNvPr id="34" name="TextBox 33"/>
-                        <p:cNvSpPr txBox="1"/>
-                        <p:nvPr/>
-                      </p:nvSpPr>
-                      <p:spPr>
-                        <a:xfrm>
-                          <a:off x="10347414" y="1530220"/>
-                          <a:ext cx="1106152" cy="449515"/>
-                        </a:xfrm>
-                        <a:prstGeom prst="rect">
-                          <a:avLst/>
-                        </a:prstGeom>
-                        <a:noFill/>
-                      </p:spPr>
-                      <p:txBody>
-                        <a:bodyPr wrap="square" rtlCol="0">
-                          <a:spAutoFit/>
-                        </a:bodyPr>
-                        <a:lstStyle/>
-                        <a:p>
-                          <a:r>
-                            <a:rPr lang="en-GB" sz="1400" dirty="0" smtClean="0"/>
-                            <a:t>Deaths</a:t>
-                          </a:r>
-                          <a:endParaRPr lang="en-GB" sz="1400" dirty="0"/>
-                        </a:p>
-                      </p:txBody>
-                    </p:sp>
-                    <p:sp>
-                      <p:nvSpPr>
-                        <p:cNvPr id="35" name="TextBox 34"/>
-                        <p:cNvSpPr txBox="1"/>
-                        <p:nvPr/>
-                      </p:nvSpPr>
-                      <p:spPr>
-                        <a:xfrm>
-                          <a:off x="1390450" y="3971322"/>
-                          <a:ext cx="953326" cy="449515"/>
-                        </a:xfrm>
-                        <a:prstGeom prst="rect">
-                          <a:avLst/>
-                        </a:prstGeom>
-                        <a:noFill/>
-                      </p:spPr>
-                      <p:txBody>
-                        <a:bodyPr wrap="square" rtlCol="0">
-                          <a:spAutoFit/>
-                        </a:bodyPr>
-                        <a:lstStyle/>
-                        <a:p>
-                          <a:r>
-                            <a:rPr lang="en-GB" sz="1400" dirty="0" smtClean="0"/>
-                            <a:t>Births</a:t>
-                          </a:r>
-                          <a:endParaRPr lang="en-GB" sz="1400" dirty="0"/>
-                        </a:p>
-                      </p:txBody>
-                    </p:sp>
-                  </p:grpSp>
-                  <p:sp>
-                    <p:nvSpPr>
-                      <p:cNvPr id="24" name="Rounded Rectangle 23"/>
-                      <p:cNvSpPr/>
-                      <p:nvPr/>
-                    </p:nvSpPr>
-                    <p:spPr>
-                      <a:xfrm>
-                        <a:off x="10556290" y="2656845"/>
-                        <a:ext cx="1165360" cy="1183136"/>
-                      </a:xfrm>
-                      <a:prstGeom prst="roundRect">
-                        <a:avLst/>
-                      </a:prstGeom>
-                      <a:solidFill>
-                        <a:srgbClr val="C00000"/>
-                      </a:solidFill>
-                    </p:spPr>
-                    <p:style>
-                      <a:lnRef idx="2">
-                        <a:schemeClr val="accent1">
-                          <a:shade val="50000"/>
-                        </a:schemeClr>
-                      </a:lnRef>
-                      <a:fillRef idx="1">
-                        <a:schemeClr val="accent1"/>
-                      </a:fillRef>
-                      <a:effectRef idx="0">
-                        <a:schemeClr val="accent1"/>
-                      </a:effectRef>
-                      <a:fontRef idx="minor">
-                        <a:schemeClr val="lt1"/>
-                      </a:fontRef>
-                    </p:style>
-                    <p:txBody>
-                      <a:bodyPr rtlCol="0" anchor="ctr"/>
-                      <a:lstStyle/>
-                      <a:p>
-                        <a:pPr algn="ctr"/>
-                        <a:r>
-                          <a:rPr lang="en-GB" sz="4000" dirty="0" smtClean="0">
-                            <a:solidFill>
-                              <a:schemeClr val="bg1"/>
-                            </a:solidFill>
-                          </a:rPr>
-                          <a:t>T</a:t>
-                        </a:r>
-                        <a:r>
-                          <a:rPr lang="en-GB" sz="4000" baseline="-25000" dirty="0">
-                            <a:solidFill>
-                              <a:schemeClr val="bg1"/>
-                            </a:solidFill>
-                          </a:rPr>
-                          <a:t>H</a:t>
-                        </a:r>
-                        <a:endParaRPr lang="en-GB" sz="4000" dirty="0">
-                          <a:solidFill>
-                            <a:schemeClr val="bg1"/>
-                          </a:solidFill>
-                        </a:endParaRPr>
-                      </a:p>
-                    </p:txBody>
-                  </p:sp>
-                  <p:cxnSp>
-                    <p:nvCxnSpPr>
-                      <p:cNvPr id="26" name="Straight Arrow Connector 25"/>
-                      <p:cNvCxnSpPr/>
-                      <p:nvPr/>
-                    </p:nvCxnSpPr>
-                    <p:spPr>
-                      <a:xfrm>
-                        <a:off x="9274469" y="3251291"/>
-                        <a:ext cx="1277092" cy="0"/>
-                      </a:xfrm>
-                      <a:prstGeom prst="straightConnector1">
-                        <a:avLst/>
-                      </a:prstGeom>
-                      <a:solidFill>
-                        <a:srgbClr val="C00000"/>
-                      </a:solidFill>
-                      <a:ln w="50800">
-                        <a:solidFill>
-                          <a:srgbClr val="C00000"/>
-                        </a:solidFill>
-                        <a:tailEnd type="triangle"/>
-                      </a:ln>
-                    </p:spPr>
-                    <p:style>
-                      <a:lnRef idx="1">
-                        <a:schemeClr val="accent1"/>
-                      </a:lnRef>
-                      <a:fillRef idx="0">
-                        <a:schemeClr val="accent1"/>
-                      </a:fillRef>
-                      <a:effectRef idx="0">
-                        <a:schemeClr val="accent1"/>
-                      </a:effectRef>
-                      <a:fontRef idx="minor">
-                        <a:schemeClr val="tx1"/>
-                      </a:fontRef>
-                    </p:style>
-                  </p:cxnSp>
-                  <p:cxnSp>
-                    <p:nvCxnSpPr>
-                      <p:cNvPr id="27" name="Straight Arrow Connector 26"/>
-                      <p:cNvCxnSpPr/>
-                      <p:nvPr/>
-                    </p:nvCxnSpPr>
-                    <p:spPr>
-                      <a:xfrm flipV="1">
-                        <a:off x="11138970" y="2238397"/>
-                        <a:ext cx="0" cy="418448"/>
-                      </a:xfrm>
-                      <a:prstGeom prst="straightConnector1">
-                        <a:avLst/>
-                      </a:prstGeom>
-                      <a:solidFill>
-                        <a:srgbClr val="C00000"/>
-                      </a:solidFill>
-                      <a:ln w="50800">
-                        <a:solidFill>
-                          <a:srgbClr val="C00000"/>
-                        </a:solidFill>
-                        <a:tailEnd type="triangle"/>
-                      </a:ln>
-                    </p:spPr>
-                    <p:style>
-                      <a:lnRef idx="1">
-                        <a:schemeClr val="accent1"/>
-                      </a:lnRef>
-                      <a:fillRef idx="0">
-                        <a:schemeClr val="accent1"/>
-                      </a:fillRef>
-                      <a:effectRef idx="0">
-                        <a:schemeClr val="accent1"/>
-                      </a:effectRef>
-                      <a:fontRef idx="minor">
-                        <a:schemeClr val="tx1"/>
-                      </a:fontRef>
-                    </p:style>
-                  </p:cxnSp>
-                  <p:cxnSp>
-                    <p:nvCxnSpPr>
-                      <p:cNvPr id="29" name="Straight Arrow Connector 28"/>
-                      <p:cNvCxnSpPr>
-                        <a:stCxn id="4" idx="2"/>
-                        <a:endCxn id="5" idx="2"/>
-                      </p:cNvCxnSpPr>
-                      <p:nvPr/>
-                    </p:nvCxnSpPr>
-                    <p:spPr>
-                      <a:xfrm rot="16200000" flipH="1">
-                        <a:off x="6246584" y="1397654"/>
-                        <a:ext cx="12700" cy="4890409"/>
-                      </a:xfrm>
-                      <a:prstGeom prst="curvedConnector3">
-                        <a:avLst>
-                          <a:gd name="adj1" fmla="val 6271575"/>
-                        </a:avLst>
-                      </a:prstGeom>
-                      <a:solidFill>
-                        <a:srgbClr val="C00000"/>
-                      </a:solidFill>
-                      <a:ln w="50800">
-                        <a:solidFill>
-                          <a:srgbClr val="C00000"/>
-                        </a:solidFill>
-                        <a:tailEnd type="triangle"/>
-                      </a:ln>
-                    </p:spPr>
-                    <p:style>
-                      <a:lnRef idx="1">
-                        <a:schemeClr val="accent1"/>
-                      </a:lnRef>
-                      <a:fillRef idx="0">
-                        <a:schemeClr val="accent1"/>
-                      </a:fillRef>
-                      <a:effectRef idx="0">
-                        <a:schemeClr val="accent1"/>
-                      </a:effectRef>
-                      <a:fontRef idx="minor">
-                        <a:schemeClr val="tx1"/>
-                      </a:fontRef>
-                    </p:style>
-                  </p:cxnSp>
-                </p:grpSp>
-              </p:grpSp>
-              <p:cxnSp>
-                <p:nvCxnSpPr>
-                  <p:cNvPr id="30" name="Straight Arrow Connector 29"/>
-                  <p:cNvCxnSpPr>
-                    <a:stCxn id="3" idx="2"/>
-                    <a:endCxn id="4" idx="2"/>
-                  </p:cNvCxnSpPr>
-                  <p:nvPr/>
-                </p:nvCxnSpPr>
-                <p:spPr>
-                  <a:xfrm rot="5400000">
-                    <a:off x="5025358" y="2618881"/>
-                    <a:ext cx="12700" cy="2447956"/>
-                  </a:xfrm>
-                  <a:prstGeom prst="curvedConnector3">
-                    <a:avLst>
-                      <a:gd name="adj1" fmla="val 2103157"/>
-                    </a:avLst>
-                  </a:prstGeom>
-                  <a:solidFill>
-                    <a:srgbClr val="C00000"/>
-                  </a:solidFill>
-                  <a:ln w="50800">
-                    <a:solidFill>
-                      <a:srgbClr val="C00000"/>
-                    </a:solidFill>
-                    <a:tailEnd type="triangle"/>
-                  </a:ln>
-                </p:spPr>
-                <p:style>
-                  <a:lnRef idx="1">
-                    <a:schemeClr val="accent1"/>
-                  </a:lnRef>
-                  <a:fillRef idx="0">
-                    <a:schemeClr val="accent1"/>
-                  </a:fillRef>
-                  <a:effectRef idx="0">
-                    <a:schemeClr val="accent1"/>
-                  </a:effectRef>
-                  <a:fontRef idx="minor">
-                    <a:schemeClr val="tx1"/>
-                  </a:fontRef>
-                </p:style>
-              </p:cxnSp>
-            </p:grpSp>
-            <p:sp>
-              <p:nvSpPr>
-                <p:cNvPr id="37" name="Rounded Rectangle 36"/>
-                <p:cNvSpPr/>
-                <p:nvPr/>
-              </p:nvSpPr>
-              <p:spPr>
-                <a:xfrm>
-                  <a:off x="10986272" y="1112495"/>
-                  <a:ext cx="969500" cy="977749"/>
-                </a:xfrm>
-                <a:prstGeom prst="roundRect">
-                  <a:avLst/>
-                </a:prstGeom>
-                <a:solidFill>
-                  <a:srgbClr val="C00000"/>
-                </a:solidFill>
-              </p:spPr>
-              <p:style>
-                <a:lnRef idx="2">
-                  <a:schemeClr val="accent1">
-                    <a:shade val="50000"/>
-                  </a:schemeClr>
-                </a:lnRef>
-                <a:fillRef idx="1">
-                  <a:schemeClr val="accent1"/>
-                </a:fillRef>
-                <a:effectRef idx="0">
-                  <a:schemeClr val="accent1"/>
-                </a:effectRef>
-                <a:fontRef idx="minor">
-                  <a:schemeClr val="lt1"/>
-                </a:fontRef>
-              </p:style>
-              <p:txBody>
-                <a:bodyPr rtlCol="0" anchor="ctr"/>
-                <a:lstStyle/>
-                <a:p>
-                  <a:pPr algn="ctr"/>
-                  <a:r>
-                    <a:rPr lang="en-GB" sz="4000" dirty="0" smtClean="0">
-                      <a:solidFill>
-                        <a:schemeClr val="bg1"/>
-                      </a:solidFill>
-                    </a:rPr>
-                    <a:t>R</a:t>
-                  </a:r>
-                  <a:r>
-                    <a:rPr lang="en-GB" sz="4000" baseline="-25000" dirty="0">
-                      <a:solidFill>
-                        <a:schemeClr val="bg1"/>
-                      </a:solidFill>
-                    </a:rPr>
-                    <a:t>H</a:t>
-                  </a:r>
-                  <a:endParaRPr lang="en-GB" sz="4000" dirty="0">
-                    <a:solidFill>
-                      <a:schemeClr val="bg1"/>
-                    </a:solidFill>
-                  </a:endParaRPr>
-                </a:p>
-              </p:txBody>
-            </p:sp>
-            <p:sp>
-              <p:nvSpPr>
-                <p:cNvPr id="40" name="TextBox 39"/>
-                <p:cNvSpPr txBox="1"/>
-                <p:nvPr/>
-              </p:nvSpPr>
-              <p:spPr>
-                <a:xfrm>
-                  <a:off x="11487779" y="600878"/>
-                  <a:ext cx="744732" cy="305218"/>
-                </a:xfrm>
-                <a:prstGeom prst="rect">
-                  <a:avLst/>
-                </a:prstGeom>
-                <a:noFill/>
-              </p:spPr>
-              <p:txBody>
-                <a:bodyPr wrap="square" rtlCol="0">
-                  <a:spAutoFit/>
-                </a:bodyPr>
-                <a:lstStyle/>
-                <a:p>
-                  <a:r>
-                    <a:rPr lang="en-GB" sz="1400" dirty="0" smtClean="0"/>
-                    <a:t>Deaths</a:t>
-                  </a:r>
-                  <a:endParaRPr lang="en-GB" sz="1400" dirty="0"/>
-                </a:p>
-              </p:txBody>
-            </p:sp>
-          </p:grpSp>
-          <p:cxnSp>
-            <p:nvCxnSpPr>
-              <p:cNvPr id="41" name="Straight Arrow Connector 28"/>
-              <p:cNvCxnSpPr>
-                <a:stCxn id="37" idx="0"/>
-                <a:endCxn id="4" idx="0"/>
-              </p:cNvCxnSpPr>
-              <p:nvPr/>
-            </p:nvCxnSpPr>
-            <p:spPr>
-              <a:xfrm rot="16200000" flipH="1" flipV="1">
-                <a:off x="7400236" y="-2953045"/>
-                <a:ext cx="5247" cy="8136325"/>
-              </a:xfrm>
-              <a:prstGeom prst="curvedConnector3">
-                <a:avLst>
-                  <a:gd name="adj1" fmla="val -11327635"/>
-                </a:avLst>
-              </a:prstGeom>
-              <a:solidFill>
-                <a:srgbClr val="C00000"/>
-              </a:solidFill>
-              <a:ln w="50800">
-                <a:solidFill>
-                  <a:srgbClr val="C00000"/>
-                </a:solidFill>
-                <a:tailEnd type="triangle"/>
-              </a:ln>
-            </p:spPr>
-            <p:style>
-              <a:lnRef idx="1">
-                <a:schemeClr val="accent1"/>
-              </a:lnRef>
-              <a:fillRef idx="0">
-                <a:schemeClr val="accent1"/>
-              </a:fillRef>
-              <a:effectRef idx="0">
-                <a:schemeClr val="accent1"/>
-              </a:effectRef>
-              <a:fontRef idx="minor">
-                <a:schemeClr val="tx1"/>
-              </a:fontRef>
-            </p:style>
-          </p:cxnSp>
-        </p:grpSp>
         <p:cxnSp>
           <p:nvCxnSpPr>
-            <p:cNvPr id="158" name="Straight Arrow Connector 157"/>
+            <p:cNvPr id="38" name="Straight Arrow Connector 37"/>
             <p:cNvCxnSpPr/>
             <p:nvPr/>
           </p:nvCxnSpPr>
           <p:spPr>
             <a:xfrm>
-              <a:off x="9140687" y="2014112"/>
-              <a:ext cx="0" cy="348187"/>
+              <a:off x="9923820" y="1604239"/>
+              <a:ext cx="1062453" cy="0"/>
             </a:xfrm>
             <a:prstGeom prst="straightConnector1">
               <a:avLst/>
@@ -4703,36 +3375,1280 @@
             </a:fontRef>
           </p:style>
         </p:cxnSp>
-        <p:sp>
-          <p:nvSpPr>
-            <p:cNvPr id="161" name="TextBox 160"/>
-            <p:cNvSpPr txBox="1"/>
+        <p:cxnSp>
+          <p:nvCxnSpPr>
+            <p:cNvPr id="39" name="Straight Arrow Connector 38"/>
+            <p:cNvCxnSpPr/>
             <p:nvPr/>
-          </p:nvSpPr>
+          </p:nvCxnSpPr>
           <p:spPr>
-            <a:xfrm>
-              <a:off x="9190814" y="2096879"/>
-              <a:ext cx="916572" cy="307777"/>
+            <a:xfrm flipV="1">
+              <a:off x="11475730" y="769557"/>
+              <a:ext cx="0" cy="345808"/>
             </a:xfrm>
-            <a:prstGeom prst="rect">
+            <a:prstGeom prst="straightConnector1">
               <a:avLst/>
             </a:prstGeom>
-            <a:noFill/>
+            <a:solidFill>
+              <a:srgbClr val="C00000"/>
+            </a:solidFill>
+            <a:ln w="50800">
+              <a:solidFill>
+                <a:srgbClr val="C00000"/>
+              </a:solidFill>
+              <a:tailEnd type="triangle"/>
+            </a:ln>
           </p:spPr>
-          <p:txBody>
-            <a:bodyPr wrap="square" rtlCol="0">
-              <a:spAutoFit/>
-            </a:bodyPr>
-            <a:lstStyle/>
-            <a:p>
-              <a:r>
-                <a:rPr lang="en-GB" sz="1400" smtClean="0"/>
-                <a:t>TB Deaths</a:t>
-              </a:r>
-              <a:endParaRPr lang="en-GB" sz="1400" dirty="0"/>
-            </a:p>
-          </p:txBody>
-        </p:sp>
+          <p:style>
+            <a:lnRef idx="1">
+              <a:schemeClr val="accent1"/>
+            </a:lnRef>
+            <a:fillRef idx="0">
+              <a:schemeClr val="accent1"/>
+            </a:fillRef>
+            <a:effectRef idx="0">
+              <a:schemeClr val="accent1"/>
+            </a:effectRef>
+            <a:fontRef idx="minor">
+              <a:schemeClr val="tx1"/>
+            </a:fontRef>
+          </p:style>
+        </p:cxnSp>
+        <p:grpSp>
+          <p:nvGrpSpPr>
+            <p:cNvPr id="44" name="Group 43"/>
+            <p:cNvGrpSpPr/>
+            <p:nvPr/>
+          </p:nvGrpSpPr>
+          <p:grpSpPr>
+            <a:xfrm>
+              <a:off x="822573" y="578706"/>
+              <a:ext cx="11409938" cy="1984881"/>
+              <a:chOff x="822573" y="578706"/>
+              <a:chExt cx="11409938" cy="1984881"/>
+            </a:xfrm>
+          </p:grpSpPr>
+          <p:grpSp>
+            <p:nvGrpSpPr>
+              <p:cNvPr id="11" name="Group 10"/>
+              <p:cNvGrpSpPr/>
+              <p:nvPr/>
+            </p:nvGrpSpPr>
+            <p:grpSpPr>
+              <a:xfrm>
+                <a:off x="822573" y="578706"/>
+                <a:ext cx="9341963" cy="1984881"/>
+                <a:chOff x="781751" y="2007455"/>
+                <a:chExt cx="11229245" cy="2401826"/>
+              </a:xfrm>
+            </p:grpSpPr>
+            <p:grpSp>
+              <p:nvGrpSpPr>
+                <p:cNvPr id="9" name="Group 8"/>
+                <p:cNvGrpSpPr/>
+                <p:nvPr/>
+              </p:nvGrpSpPr>
+              <p:grpSpPr>
+                <a:xfrm>
+                  <a:off x="781751" y="2007455"/>
+                  <a:ext cx="11229245" cy="2401826"/>
+                  <a:chOff x="781751" y="2007455"/>
+                  <a:chExt cx="11229245" cy="2401826"/>
+                </a:xfrm>
+              </p:grpSpPr>
+              <p:sp>
+                <p:nvSpPr>
+                  <p:cNvPr id="28" name="TextBox 27"/>
+                  <p:cNvSpPr txBox="1"/>
+                  <p:nvPr/>
+                </p:nvSpPr>
+                <p:spPr>
+                  <a:xfrm>
+                    <a:off x="11115812" y="2034285"/>
+                    <a:ext cx="895184" cy="369332"/>
+                  </a:xfrm>
+                  <a:prstGeom prst="rect">
+                    <a:avLst/>
+                  </a:prstGeom>
+                  <a:noFill/>
+                </p:spPr>
+                <p:txBody>
+                  <a:bodyPr wrap="square" rtlCol="0">
+                    <a:spAutoFit/>
+                  </a:bodyPr>
+                  <a:lstStyle/>
+                  <a:p>
+                    <a:r>
+                      <a:rPr lang="en-GB" sz="1400" dirty="0" smtClean="0"/>
+                      <a:t>Deaths</a:t>
+                    </a:r>
+                    <a:endParaRPr lang="en-GB" sz="1400" dirty="0"/>
+                  </a:p>
+                </p:txBody>
+              </p:sp>
+              <p:grpSp>
+                <p:nvGrpSpPr>
+                  <p:cNvPr id="7" name="Group 6"/>
+                  <p:cNvGrpSpPr>
+                    <a:grpSpLocks noChangeAspect="1"/>
+                  </p:cNvGrpSpPr>
+                  <p:nvPr/>
+                </p:nvGrpSpPr>
+                <p:grpSpPr>
+                  <a:xfrm>
+                    <a:off x="781751" y="2007455"/>
+                    <a:ext cx="10939899" cy="2401826"/>
+                    <a:chOff x="781751" y="2007455"/>
+                    <a:chExt cx="10939899" cy="2401826"/>
+                  </a:xfrm>
+                </p:grpSpPr>
+                <p:grpSp>
+                  <p:nvGrpSpPr>
+                    <p:cNvPr id="36" name="Group 35"/>
+                    <p:cNvGrpSpPr>
+                      <a:grpSpLocks noChangeAspect="1"/>
+                    </p:cNvGrpSpPr>
+                    <p:nvPr/>
+                  </p:nvGrpSpPr>
+                  <p:grpSpPr>
+                    <a:xfrm>
+                      <a:off x="781751" y="2007455"/>
+                      <a:ext cx="8786793" cy="2401826"/>
+                      <a:chOff x="595994" y="1497565"/>
+                      <a:chExt cx="10857572" cy="2923272"/>
+                    </a:xfrm>
+                  </p:grpSpPr>
+                  <p:grpSp>
+                    <p:nvGrpSpPr>
+                      <p:cNvPr id="23" name="Group 22"/>
+                      <p:cNvGrpSpPr/>
+                      <p:nvPr/>
+                    </p:nvGrpSpPr>
+                    <p:grpSpPr>
+                      <a:xfrm>
+                        <a:off x="595994" y="1778645"/>
+                        <a:ext cx="10494191" cy="1952797"/>
+                        <a:chOff x="595994" y="1778645"/>
+                        <a:chExt cx="10494191" cy="1952797"/>
+                      </a:xfrm>
+                    </p:grpSpPr>
+                    <p:grpSp>
+                      <p:nvGrpSpPr>
+                        <p:cNvPr id="14" name="Group 13"/>
+                        <p:cNvGrpSpPr/>
+                        <p:nvPr/>
+                      </p:nvGrpSpPr>
+                      <p:grpSpPr>
+                        <a:xfrm>
+                          <a:off x="595994" y="2291442"/>
+                          <a:ext cx="10494191" cy="1440000"/>
+                          <a:chOff x="595994" y="2291442"/>
+                          <a:chExt cx="10494191" cy="1440000"/>
+                        </a:xfrm>
+                      </p:grpSpPr>
+                      <p:grpSp>
+                        <p:nvGrpSpPr>
+                          <p:cNvPr id="6" name="Group 5"/>
+                          <p:cNvGrpSpPr/>
+                          <p:nvPr/>
+                        </p:nvGrpSpPr>
+                        <p:grpSpPr>
+                          <a:xfrm>
+                            <a:off x="595994" y="2291442"/>
+                            <a:ext cx="10494191" cy="1440000"/>
+                            <a:chOff x="595994" y="2291442"/>
+                            <a:chExt cx="10494191" cy="1440000"/>
+                          </a:xfrm>
+                        </p:grpSpPr>
+                        <p:sp>
+                          <p:nvSpPr>
+                            <p:cNvPr id="2" name="Rounded Rectangle 1"/>
+                            <p:cNvSpPr/>
+                            <p:nvPr/>
+                          </p:nvSpPr>
+                          <p:spPr>
+                            <a:xfrm>
+                              <a:off x="595994" y="2291442"/>
+                              <a:ext cx="1440000" cy="1440000"/>
+                            </a:xfrm>
+                            <a:prstGeom prst="roundRect">
+                              <a:avLst/>
+                            </a:prstGeom>
+                            <a:solidFill>
+                              <a:srgbClr val="C00000"/>
+                            </a:solidFill>
+                          </p:spPr>
+                          <p:style>
+                            <a:lnRef idx="2">
+                              <a:schemeClr val="accent1">
+                                <a:shade val="50000"/>
+                              </a:schemeClr>
+                            </a:lnRef>
+                            <a:fillRef idx="1">
+                              <a:schemeClr val="accent1"/>
+                            </a:fillRef>
+                            <a:effectRef idx="0">
+                              <a:schemeClr val="accent1"/>
+                            </a:effectRef>
+                            <a:fontRef idx="minor">
+                              <a:schemeClr val="lt1"/>
+                            </a:fontRef>
+                          </p:style>
+                          <p:txBody>
+                            <a:bodyPr rtlCol="0" anchor="ctr"/>
+                            <a:lstStyle/>
+                            <a:p>
+                              <a:pPr algn="ctr"/>
+                              <a:r>
+                                <a:rPr lang="en-GB" sz="4000" dirty="0" smtClean="0">
+                                  <a:solidFill>
+                                    <a:schemeClr val="bg1"/>
+                                  </a:solidFill>
+                                </a:rPr>
+                                <a:t>S</a:t>
+                              </a:r>
+                              <a:r>
+                                <a:rPr lang="en-GB" sz="4000" baseline="-25000" dirty="0">
+                                  <a:solidFill>
+                                    <a:schemeClr val="bg1"/>
+                                  </a:solidFill>
+                                </a:rPr>
+                                <a:t>H</a:t>
+                              </a:r>
+                              <a:endParaRPr lang="en-GB" sz="4000" dirty="0">
+                                <a:solidFill>
+                                  <a:schemeClr val="bg1"/>
+                                </a:solidFill>
+                              </a:endParaRPr>
+                            </a:p>
+                          </p:txBody>
+                        </p:sp>
+                        <p:sp>
+                          <p:nvSpPr>
+                            <p:cNvPr id="3" name="Rounded Rectangle 2"/>
+                            <p:cNvSpPr/>
+                            <p:nvPr/>
+                          </p:nvSpPr>
+                          <p:spPr>
+                            <a:xfrm>
+                              <a:off x="6632122" y="2291442"/>
+                              <a:ext cx="1440000" cy="1440000"/>
+                            </a:xfrm>
+                            <a:prstGeom prst="roundRect">
+                              <a:avLst/>
+                            </a:prstGeom>
+                            <a:solidFill>
+                              <a:srgbClr val="C00000"/>
+                            </a:solidFill>
+                          </p:spPr>
+                          <p:style>
+                            <a:lnRef idx="2">
+                              <a:schemeClr val="accent1">
+                                <a:shade val="50000"/>
+                              </a:schemeClr>
+                            </a:lnRef>
+                            <a:fillRef idx="1">
+                              <a:schemeClr val="accent1"/>
+                            </a:fillRef>
+                            <a:effectRef idx="0">
+                              <a:schemeClr val="accent1"/>
+                            </a:effectRef>
+                            <a:fontRef idx="minor">
+                              <a:schemeClr val="lt1"/>
+                            </a:fontRef>
+                          </p:style>
+                          <p:txBody>
+                            <a:bodyPr rtlCol="0" anchor="ctr"/>
+                            <a:lstStyle/>
+                            <a:p>
+                              <a:pPr algn="ctr"/>
+                              <a:r>
+                                <a:rPr lang="en-GB" sz="4000" dirty="0" smtClean="0">
+                                  <a:solidFill>
+                                    <a:schemeClr val="bg1"/>
+                                  </a:solidFill>
+                                </a:rPr>
+                                <a:t>L</a:t>
+                              </a:r>
+                              <a:r>
+                                <a:rPr lang="en-GB" sz="4000" baseline="-25000" dirty="0">
+                                  <a:solidFill>
+                                    <a:schemeClr val="bg1"/>
+                                  </a:solidFill>
+                                </a:rPr>
+                                <a:t>H</a:t>
+                              </a:r>
+                              <a:endParaRPr lang="en-GB" sz="4000" dirty="0">
+                                <a:solidFill>
+                                  <a:schemeClr val="bg1"/>
+                                </a:solidFill>
+                              </a:endParaRPr>
+                            </a:p>
+                          </p:txBody>
+                        </p:sp>
+                        <p:sp>
+                          <p:nvSpPr>
+                            <p:cNvPr id="4" name="Rounded Rectangle 3"/>
+                            <p:cNvSpPr/>
+                            <p:nvPr/>
+                          </p:nvSpPr>
+                          <p:spPr>
+                            <a:xfrm>
+                              <a:off x="3607257" y="2291442"/>
+                              <a:ext cx="1440000" cy="1440000"/>
+                            </a:xfrm>
+                            <a:prstGeom prst="roundRect">
+                              <a:avLst/>
+                            </a:prstGeom>
+                            <a:solidFill>
+                              <a:srgbClr val="C00000"/>
+                            </a:solidFill>
+                          </p:spPr>
+                          <p:style>
+                            <a:lnRef idx="2">
+                              <a:schemeClr val="accent1">
+                                <a:shade val="50000"/>
+                              </a:schemeClr>
+                            </a:lnRef>
+                            <a:fillRef idx="1">
+                              <a:schemeClr val="accent1"/>
+                            </a:fillRef>
+                            <a:effectRef idx="0">
+                              <a:schemeClr val="accent1"/>
+                            </a:effectRef>
+                            <a:fontRef idx="minor">
+                              <a:schemeClr val="lt1"/>
+                            </a:fontRef>
+                          </p:style>
+                          <p:txBody>
+                            <a:bodyPr rtlCol="0" anchor="ctr"/>
+                            <a:lstStyle/>
+                            <a:p>
+                              <a:pPr algn="ctr"/>
+                              <a:r>
+                                <a:rPr lang="en-GB" sz="4000" dirty="0" smtClean="0">
+                                  <a:solidFill>
+                                    <a:schemeClr val="bg1"/>
+                                  </a:solidFill>
+                                </a:rPr>
+                                <a:t>H</a:t>
+                              </a:r>
+                              <a:r>
+                                <a:rPr lang="en-GB" sz="4000" baseline="-25000" dirty="0">
+                                  <a:solidFill>
+                                    <a:schemeClr val="bg1"/>
+                                  </a:solidFill>
+                                </a:rPr>
+                                <a:t>H</a:t>
+                              </a:r>
+                              <a:endParaRPr lang="en-GB" sz="4000" dirty="0">
+                                <a:solidFill>
+                                  <a:schemeClr val="bg1"/>
+                                </a:solidFill>
+                              </a:endParaRPr>
+                            </a:p>
+                          </p:txBody>
+                        </p:sp>
+                        <p:sp>
+                          <p:nvSpPr>
+                            <p:cNvPr id="5" name="Rounded Rectangle 4"/>
+                            <p:cNvSpPr/>
+                            <p:nvPr/>
+                          </p:nvSpPr>
+                          <p:spPr>
+                            <a:xfrm>
+                              <a:off x="9650185" y="2291442"/>
+                              <a:ext cx="1440000" cy="1440000"/>
+                            </a:xfrm>
+                            <a:prstGeom prst="roundRect">
+                              <a:avLst/>
+                            </a:prstGeom>
+                            <a:solidFill>
+                              <a:srgbClr val="C00000"/>
+                            </a:solidFill>
+                          </p:spPr>
+                          <p:style>
+                            <a:lnRef idx="2">
+                              <a:schemeClr val="accent1">
+                                <a:shade val="50000"/>
+                              </a:schemeClr>
+                            </a:lnRef>
+                            <a:fillRef idx="1">
+                              <a:schemeClr val="accent1"/>
+                            </a:fillRef>
+                            <a:effectRef idx="0">
+                              <a:schemeClr val="accent1"/>
+                            </a:effectRef>
+                            <a:fontRef idx="minor">
+                              <a:schemeClr val="lt1"/>
+                            </a:fontRef>
+                          </p:style>
+                          <p:txBody>
+                            <a:bodyPr rtlCol="0" anchor="ctr"/>
+                            <a:lstStyle/>
+                            <a:p>
+                              <a:pPr algn="ctr"/>
+                              <a:r>
+                                <a:rPr lang="en-GB" sz="4000" dirty="0" smtClean="0">
+                                  <a:solidFill>
+                                    <a:schemeClr val="bg1"/>
+                                  </a:solidFill>
+                                </a:rPr>
+                                <a:t>I</a:t>
+                              </a:r>
+                              <a:r>
+                                <a:rPr lang="en-GB" sz="4000" baseline="-25000" dirty="0">
+                                  <a:solidFill>
+                                    <a:schemeClr val="bg1"/>
+                                  </a:solidFill>
+                                </a:rPr>
+                                <a:t>H</a:t>
+                              </a:r>
+                              <a:endParaRPr lang="en-GB" sz="4000" dirty="0">
+                                <a:solidFill>
+                                  <a:schemeClr val="bg1"/>
+                                </a:solidFill>
+                              </a:endParaRPr>
+                            </a:p>
+                          </p:txBody>
+                        </p:sp>
+                      </p:grpSp>
+                      <p:cxnSp>
+                        <p:nvCxnSpPr>
+                          <p:cNvPr id="8" name="Straight Arrow Connector 7"/>
+                          <p:cNvCxnSpPr>
+                            <a:stCxn id="2" idx="3"/>
+                            <a:endCxn id="4" idx="1"/>
+                          </p:cNvCxnSpPr>
+                          <p:nvPr/>
+                        </p:nvCxnSpPr>
+                        <p:spPr>
+                          <a:xfrm>
+                            <a:off x="2035994" y="3011442"/>
+                            <a:ext cx="1571263" cy="0"/>
+                          </a:xfrm>
+                          <a:prstGeom prst="straightConnector1">
+                            <a:avLst/>
+                          </a:prstGeom>
+                          <a:ln w="50800">
+                            <a:solidFill>
+                              <a:srgbClr val="C00000"/>
+                            </a:solidFill>
+                            <a:tailEnd type="triangle"/>
+                          </a:ln>
+                        </p:spPr>
+                        <p:style>
+                          <a:lnRef idx="1">
+                            <a:schemeClr val="accent1"/>
+                          </a:lnRef>
+                          <a:fillRef idx="0">
+                            <a:schemeClr val="accent1"/>
+                          </a:fillRef>
+                          <a:effectRef idx="0">
+                            <a:schemeClr val="accent1"/>
+                          </a:effectRef>
+                          <a:fontRef idx="minor">
+                            <a:schemeClr val="tx1"/>
+                          </a:fontRef>
+                        </p:style>
+                      </p:cxnSp>
+                      <p:cxnSp>
+                        <p:nvCxnSpPr>
+                          <p:cNvPr id="10" name="Straight Arrow Connector 9"/>
+                          <p:cNvCxnSpPr>
+                            <a:stCxn id="4" idx="3"/>
+                            <a:endCxn id="3" idx="1"/>
+                          </p:cNvCxnSpPr>
+                          <p:nvPr/>
+                        </p:nvCxnSpPr>
+                        <p:spPr>
+                          <a:xfrm>
+                            <a:off x="5047257" y="3011442"/>
+                            <a:ext cx="1584865" cy="0"/>
+                          </a:xfrm>
+                          <a:prstGeom prst="straightConnector1">
+                            <a:avLst/>
+                          </a:prstGeom>
+                          <a:solidFill>
+                            <a:srgbClr val="C00000"/>
+                          </a:solidFill>
+                          <a:ln w="50800">
+                            <a:solidFill>
+                              <a:srgbClr val="C00000"/>
+                            </a:solidFill>
+                            <a:tailEnd type="triangle"/>
+                          </a:ln>
+                        </p:spPr>
+                        <p:style>
+                          <a:lnRef idx="1">
+                            <a:schemeClr val="accent1"/>
+                          </a:lnRef>
+                          <a:fillRef idx="0">
+                            <a:schemeClr val="accent1"/>
+                          </a:fillRef>
+                          <a:effectRef idx="0">
+                            <a:schemeClr val="accent1"/>
+                          </a:effectRef>
+                          <a:fontRef idx="minor">
+                            <a:schemeClr val="tx1"/>
+                          </a:fontRef>
+                        </p:style>
+                      </p:cxnSp>
+                      <p:cxnSp>
+                        <p:nvCxnSpPr>
+                          <p:cNvPr id="12" name="Straight Arrow Connector 11"/>
+                          <p:cNvCxnSpPr>
+                            <a:stCxn id="3" idx="3"/>
+                            <a:endCxn id="5" idx="1"/>
+                          </p:cNvCxnSpPr>
+                          <p:nvPr/>
+                        </p:nvCxnSpPr>
+                        <p:spPr>
+                          <a:xfrm>
+                            <a:off x="8072122" y="3011442"/>
+                            <a:ext cx="1578064" cy="0"/>
+                          </a:xfrm>
+                          <a:prstGeom prst="straightConnector1">
+                            <a:avLst/>
+                          </a:prstGeom>
+                          <a:solidFill>
+                            <a:srgbClr val="C00000"/>
+                          </a:solidFill>
+                          <a:ln w="50800">
+                            <a:solidFill>
+                              <a:srgbClr val="C00000"/>
+                            </a:solidFill>
+                            <a:tailEnd type="triangle"/>
+                          </a:ln>
+                        </p:spPr>
+                        <p:style>
+                          <a:lnRef idx="1">
+                            <a:schemeClr val="accent1"/>
+                          </a:lnRef>
+                          <a:fillRef idx="0">
+                            <a:schemeClr val="accent1"/>
+                          </a:fillRef>
+                          <a:effectRef idx="0">
+                            <a:schemeClr val="accent1"/>
+                          </a:effectRef>
+                          <a:fontRef idx="minor">
+                            <a:schemeClr val="tx1"/>
+                          </a:fontRef>
+                        </p:style>
+                      </p:cxnSp>
+                    </p:grpSp>
+                    <p:cxnSp>
+                      <p:nvCxnSpPr>
+                        <p:cNvPr id="16" name="Straight Arrow Connector 15"/>
+                        <p:cNvCxnSpPr>
+                          <a:stCxn id="2" idx="0"/>
+                        </p:cNvCxnSpPr>
+                        <p:nvPr/>
+                      </p:nvCxnSpPr>
+                      <p:spPr>
+                        <a:xfrm flipV="1">
+                          <a:off x="1315994" y="1782147"/>
+                          <a:ext cx="0" cy="509295"/>
+                        </a:xfrm>
+                        <a:prstGeom prst="straightConnector1">
+                          <a:avLst/>
+                        </a:prstGeom>
+                        <a:ln w="50800">
+                          <a:solidFill>
+                            <a:srgbClr val="C00000"/>
+                          </a:solidFill>
+                          <a:tailEnd type="triangle"/>
+                        </a:ln>
+                      </p:spPr>
+                      <p:style>
+                        <a:lnRef idx="1">
+                          <a:schemeClr val="accent1"/>
+                        </a:lnRef>
+                        <a:fillRef idx="0">
+                          <a:schemeClr val="accent1"/>
+                        </a:fillRef>
+                        <a:effectRef idx="0">
+                          <a:schemeClr val="accent1"/>
+                        </a:effectRef>
+                        <a:fontRef idx="minor">
+                          <a:schemeClr val="tx1"/>
+                        </a:fontRef>
+                      </p:style>
+                    </p:cxnSp>
+                    <p:cxnSp>
+                      <p:nvCxnSpPr>
+                        <p:cNvPr id="20" name="Straight Arrow Connector 19"/>
+                        <p:cNvCxnSpPr>
+                          <a:stCxn id="20" idx="0"/>
+                        </p:cNvCxnSpPr>
+                        <p:nvPr/>
+                      </p:nvCxnSpPr>
+                      <p:spPr>
+                        <a:xfrm flipV="1">
+                          <a:off x="4328215" y="1782146"/>
+                          <a:ext cx="0" cy="509295"/>
+                        </a:xfrm>
+                        <a:prstGeom prst="straightConnector1">
+                          <a:avLst/>
+                        </a:prstGeom>
+                        <a:ln w="50800">
+                          <a:solidFill>
+                            <a:srgbClr val="C00000"/>
+                          </a:solidFill>
+                          <a:tailEnd type="triangle"/>
+                        </a:ln>
+                      </p:spPr>
+                      <p:style>
+                        <a:lnRef idx="1">
+                          <a:schemeClr val="accent1"/>
+                        </a:lnRef>
+                        <a:fillRef idx="0">
+                          <a:schemeClr val="accent1"/>
+                        </a:fillRef>
+                        <a:effectRef idx="0">
+                          <a:schemeClr val="accent1"/>
+                        </a:effectRef>
+                        <a:fontRef idx="minor">
+                          <a:schemeClr val="tx1"/>
+                        </a:fontRef>
+                      </p:style>
+                    </p:cxnSp>
+                    <p:cxnSp>
+                      <p:nvCxnSpPr>
+                        <p:cNvPr id="21" name="Straight Arrow Connector 20"/>
+                        <p:cNvCxnSpPr>
+                          <a:stCxn id="21" idx="0"/>
+                        </p:cNvCxnSpPr>
+                        <p:nvPr/>
+                      </p:nvCxnSpPr>
+                      <p:spPr>
+                        <a:xfrm flipV="1">
+                          <a:off x="7352122" y="1778646"/>
+                          <a:ext cx="0" cy="509295"/>
+                        </a:xfrm>
+                        <a:prstGeom prst="straightConnector1">
+                          <a:avLst/>
+                        </a:prstGeom>
+                        <a:ln w="50800">
+                          <a:solidFill>
+                            <a:srgbClr val="C00000"/>
+                          </a:solidFill>
+                          <a:tailEnd type="triangle"/>
+                        </a:ln>
+                      </p:spPr>
+                      <p:style>
+                        <a:lnRef idx="1">
+                          <a:schemeClr val="accent1"/>
+                        </a:lnRef>
+                        <a:fillRef idx="0">
+                          <a:schemeClr val="accent1"/>
+                        </a:fillRef>
+                        <a:effectRef idx="0">
+                          <a:schemeClr val="accent1"/>
+                        </a:effectRef>
+                        <a:fontRef idx="minor">
+                          <a:schemeClr val="tx1"/>
+                        </a:fontRef>
+                      </p:style>
+                    </p:cxnSp>
+                    <p:cxnSp>
+                      <p:nvCxnSpPr>
+                        <p:cNvPr id="22" name="Straight Arrow Connector 21"/>
+                        <p:cNvCxnSpPr>
+                          <a:stCxn id="22" idx="0"/>
+                        </p:cNvCxnSpPr>
+                        <p:nvPr/>
+                      </p:nvCxnSpPr>
+                      <p:spPr>
+                        <a:xfrm flipV="1">
+                          <a:off x="10370186" y="1778645"/>
+                          <a:ext cx="0" cy="509295"/>
+                        </a:xfrm>
+                        <a:prstGeom prst="straightConnector1">
+                          <a:avLst/>
+                        </a:prstGeom>
+                        <a:ln w="50800">
+                          <a:solidFill>
+                            <a:srgbClr val="C00000"/>
+                          </a:solidFill>
+                          <a:tailEnd type="triangle"/>
+                        </a:ln>
+                      </p:spPr>
+                      <p:style>
+                        <a:lnRef idx="1">
+                          <a:schemeClr val="accent1"/>
+                        </a:lnRef>
+                        <a:fillRef idx="0">
+                          <a:schemeClr val="accent1"/>
+                        </a:fillRef>
+                        <a:effectRef idx="0">
+                          <a:schemeClr val="accent1"/>
+                        </a:effectRef>
+                        <a:fontRef idx="minor">
+                          <a:schemeClr val="tx1"/>
+                        </a:fontRef>
+                      </p:style>
+                    </p:cxnSp>
+                  </p:grpSp>
+                  <p:cxnSp>
+                    <p:nvCxnSpPr>
+                      <p:cNvPr id="25" name="Straight Arrow Connector 24"/>
+                      <p:cNvCxnSpPr>
+                        <a:endCxn id="2" idx="2"/>
+                      </p:cNvCxnSpPr>
+                      <p:nvPr/>
+                    </p:nvCxnSpPr>
+                    <p:spPr>
+                      <a:xfrm flipV="1">
+                        <a:off x="1315994" y="3731442"/>
+                        <a:ext cx="0" cy="509295"/>
+                      </a:xfrm>
+                      <a:prstGeom prst="straightConnector1">
+                        <a:avLst/>
+                      </a:prstGeom>
+                      <a:ln w="50800">
+                        <a:solidFill>
+                          <a:srgbClr val="C00000"/>
+                        </a:solidFill>
+                        <a:tailEnd type="triangle"/>
+                      </a:ln>
+                    </p:spPr>
+                    <p:style>
+                      <a:lnRef idx="1">
+                        <a:schemeClr val="accent1"/>
+                      </a:lnRef>
+                      <a:fillRef idx="0">
+                        <a:schemeClr val="accent1"/>
+                      </a:fillRef>
+                      <a:effectRef idx="0">
+                        <a:schemeClr val="accent1"/>
+                      </a:effectRef>
+                      <a:fontRef idx="minor">
+                        <a:schemeClr val="tx1"/>
+                      </a:fontRef>
+                    </p:style>
+                  </p:cxnSp>
+                  <p:sp>
+                    <p:nvSpPr>
+                      <p:cNvPr id="31" name="TextBox 30"/>
+                      <p:cNvSpPr txBox="1"/>
+                      <p:nvPr/>
+                    </p:nvSpPr>
+                    <p:spPr>
+                      <a:xfrm>
+                        <a:off x="1390450" y="1497565"/>
+                        <a:ext cx="1245889" cy="449515"/>
+                      </a:xfrm>
+                      <a:prstGeom prst="rect">
+                        <a:avLst/>
+                      </a:prstGeom>
+                      <a:noFill/>
+                    </p:spPr>
+                    <p:txBody>
+                      <a:bodyPr wrap="square" rtlCol="0">
+                        <a:spAutoFit/>
+                      </a:bodyPr>
+                      <a:lstStyle/>
+                      <a:p>
+                        <a:r>
+                          <a:rPr lang="en-GB" sz="1400" dirty="0" smtClean="0"/>
+                          <a:t>Deaths</a:t>
+                        </a:r>
+                        <a:endParaRPr lang="en-GB" sz="1400" dirty="0"/>
+                      </a:p>
+                    </p:txBody>
+                  </p:sp>
+                  <p:sp>
+                    <p:nvSpPr>
+                      <p:cNvPr id="32" name="TextBox 31"/>
+                      <p:cNvSpPr txBox="1"/>
+                      <p:nvPr/>
+                    </p:nvSpPr>
+                    <p:spPr>
+                      <a:xfrm>
+                        <a:off x="4408514" y="1530220"/>
+                        <a:ext cx="1103008" cy="449515"/>
+                      </a:xfrm>
+                      <a:prstGeom prst="rect">
+                        <a:avLst/>
+                      </a:prstGeom>
+                      <a:noFill/>
+                    </p:spPr>
+                    <p:txBody>
+                      <a:bodyPr wrap="square" rtlCol="0">
+                        <a:spAutoFit/>
+                      </a:bodyPr>
+                      <a:lstStyle/>
+                      <a:p>
+                        <a:r>
+                          <a:rPr lang="en-GB" sz="1400" dirty="0" smtClean="0"/>
+                          <a:t>Deaths</a:t>
+                        </a:r>
+                        <a:endParaRPr lang="en-GB" sz="1400" dirty="0"/>
+                      </a:p>
+                    </p:txBody>
+                  </p:sp>
+                  <p:sp>
+                    <p:nvSpPr>
+                      <p:cNvPr id="33" name="TextBox 32"/>
+                      <p:cNvSpPr txBox="1"/>
+                      <p:nvPr/>
+                    </p:nvSpPr>
+                    <p:spPr>
+                      <a:xfrm>
+                        <a:off x="7377947" y="1497565"/>
+                        <a:ext cx="1128864" cy="449515"/>
+                      </a:xfrm>
+                      <a:prstGeom prst="rect">
+                        <a:avLst/>
+                      </a:prstGeom>
+                      <a:noFill/>
+                    </p:spPr>
+                    <p:txBody>
+                      <a:bodyPr wrap="square" rtlCol="0">
+                        <a:spAutoFit/>
+                      </a:bodyPr>
+                      <a:lstStyle/>
+                      <a:p>
+                        <a:r>
+                          <a:rPr lang="en-GB" sz="1400" dirty="0" smtClean="0"/>
+                          <a:t>Deaths</a:t>
+                        </a:r>
+                        <a:endParaRPr lang="en-GB" sz="1400" dirty="0"/>
+                      </a:p>
+                    </p:txBody>
+                  </p:sp>
+                  <p:sp>
+                    <p:nvSpPr>
+                      <p:cNvPr id="34" name="TextBox 33"/>
+                      <p:cNvSpPr txBox="1"/>
+                      <p:nvPr/>
+                    </p:nvSpPr>
+                    <p:spPr>
+                      <a:xfrm>
+                        <a:off x="10347414" y="1530220"/>
+                        <a:ext cx="1106152" cy="449515"/>
+                      </a:xfrm>
+                      <a:prstGeom prst="rect">
+                        <a:avLst/>
+                      </a:prstGeom>
+                      <a:noFill/>
+                    </p:spPr>
+                    <p:txBody>
+                      <a:bodyPr wrap="square" rtlCol="0">
+                        <a:spAutoFit/>
+                      </a:bodyPr>
+                      <a:lstStyle/>
+                      <a:p>
+                        <a:r>
+                          <a:rPr lang="en-GB" sz="1400" dirty="0" smtClean="0"/>
+                          <a:t>Deaths</a:t>
+                        </a:r>
+                        <a:endParaRPr lang="en-GB" sz="1400" dirty="0"/>
+                      </a:p>
+                    </p:txBody>
+                  </p:sp>
+                  <p:sp>
+                    <p:nvSpPr>
+                      <p:cNvPr id="35" name="TextBox 34"/>
+                      <p:cNvSpPr txBox="1"/>
+                      <p:nvPr/>
+                    </p:nvSpPr>
+                    <p:spPr>
+                      <a:xfrm>
+                        <a:off x="1390450" y="3971322"/>
+                        <a:ext cx="953326" cy="449515"/>
+                      </a:xfrm>
+                      <a:prstGeom prst="rect">
+                        <a:avLst/>
+                      </a:prstGeom>
+                      <a:noFill/>
+                    </p:spPr>
+                    <p:txBody>
+                      <a:bodyPr wrap="square" rtlCol="0">
+                        <a:spAutoFit/>
+                      </a:bodyPr>
+                      <a:lstStyle/>
+                      <a:p>
+                        <a:r>
+                          <a:rPr lang="en-GB" sz="1400" dirty="0" smtClean="0"/>
+                          <a:t>Births</a:t>
+                        </a:r>
+                        <a:endParaRPr lang="en-GB" sz="1400" dirty="0"/>
+                      </a:p>
+                    </p:txBody>
+                  </p:sp>
+                </p:grpSp>
+                <p:sp>
+                  <p:nvSpPr>
+                    <p:cNvPr id="24" name="Rounded Rectangle 23"/>
+                    <p:cNvSpPr/>
+                    <p:nvPr/>
+                  </p:nvSpPr>
+                  <p:spPr>
+                    <a:xfrm>
+                      <a:off x="10556290" y="2656845"/>
+                      <a:ext cx="1165360" cy="1183136"/>
+                    </a:xfrm>
+                    <a:prstGeom prst="roundRect">
+                      <a:avLst/>
+                    </a:prstGeom>
+                    <a:solidFill>
+                      <a:srgbClr val="C00000"/>
+                    </a:solidFill>
+                  </p:spPr>
+                  <p:style>
+                    <a:lnRef idx="2">
+                      <a:schemeClr val="accent1">
+                        <a:shade val="50000"/>
+                      </a:schemeClr>
+                    </a:lnRef>
+                    <a:fillRef idx="1">
+                      <a:schemeClr val="accent1"/>
+                    </a:fillRef>
+                    <a:effectRef idx="0">
+                      <a:schemeClr val="accent1"/>
+                    </a:effectRef>
+                    <a:fontRef idx="minor">
+                      <a:schemeClr val="lt1"/>
+                    </a:fontRef>
+                  </p:style>
+                  <p:txBody>
+                    <a:bodyPr rtlCol="0" anchor="ctr"/>
+                    <a:lstStyle/>
+                    <a:p>
+                      <a:pPr algn="ctr"/>
+                      <a:r>
+                        <a:rPr lang="en-GB" sz="4000" dirty="0" smtClean="0">
+                          <a:solidFill>
+                            <a:schemeClr val="bg1"/>
+                          </a:solidFill>
+                        </a:rPr>
+                        <a:t>T</a:t>
+                      </a:r>
+                      <a:r>
+                        <a:rPr lang="en-GB" sz="4000" baseline="-25000" dirty="0">
+                          <a:solidFill>
+                            <a:schemeClr val="bg1"/>
+                          </a:solidFill>
+                        </a:rPr>
+                        <a:t>H</a:t>
+                      </a:r>
+                      <a:endParaRPr lang="en-GB" sz="4000" dirty="0">
+                        <a:solidFill>
+                          <a:schemeClr val="bg1"/>
+                        </a:solidFill>
+                      </a:endParaRPr>
+                    </a:p>
+                  </p:txBody>
+                </p:sp>
+                <p:cxnSp>
+                  <p:nvCxnSpPr>
+                    <p:cNvPr id="26" name="Straight Arrow Connector 25"/>
+                    <p:cNvCxnSpPr/>
+                    <p:nvPr/>
+                  </p:nvCxnSpPr>
+                  <p:spPr>
+                    <a:xfrm>
+                      <a:off x="9274469" y="3251291"/>
+                      <a:ext cx="1277092" cy="0"/>
+                    </a:xfrm>
+                    <a:prstGeom prst="straightConnector1">
+                      <a:avLst/>
+                    </a:prstGeom>
+                    <a:solidFill>
+                      <a:srgbClr val="C00000"/>
+                    </a:solidFill>
+                    <a:ln w="50800">
+                      <a:solidFill>
+                        <a:srgbClr val="C00000"/>
+                      </a:solidFill>
+                      <a:tailEnd type="triangle"/>
+                    </a:ln>
+                  </p:spPr>
+                  <p:style>
+                    <a:lnRef idx="1">
+                      <a:schemeClr val="accent1"/>
+                    </a:lnRef>
+                    <a:fillRef idx="0">
+                      <a:schemeClr val="accent1"/>
+                    </a:fillRef>
+                    <a:effectRef idx="0">
+                      <a:schemeClr val="accent1"/>
+                    </a:effectRef>
+                    <a:fontRef idx="minor">
+                      <a:schemeClr val="tx1"/>
+                    </a:fontRef>
+                  </p:style>
+                </p:cxnSp>
+                <p:cxnSp>
+                  <p:nvCxnSpPr>
+                    <p:cNvPr id="27" name="Straight Arrow Connector 26"/>
+                    <p:cNvCxnSpPr/>
+                    <p:nvPr/>
+                  </p:nvCxnSpPr>
+                  <p:spPr>
+                    <a:xfrm flipV="1">
+                      <a:off x="11138970" y="2238397"/>
+                      <a:ext cx="0" cy="418448"/>
+                    </a:xfrm>
+                    <a:prstGeom prst="straightConnector1">
+                      <a:avLst/>
+                    </a:prstGeom>
+                    <a:solidFill>
+                      <a:srgbClr val="C00000"/>
+                    </a:solidFill>
+                    <a:ln w="50800">
+                      <a:solidFill>
+                        <a:srgbClr val="C00000"/>
+                      </a:solidFill>
+                      <a:tailEnd type="triangle"/>
+                    </a:ln>
+                  </p:spPr>
+                  <p:style>
+                    <a:lnRef idx="1">
+                      <a:schemeClr val="accent1"/>
+                    </a:lnRef>
+                    <a:fillRef idx="0">
+                      <a:schemeClr val="accent1"/>
+                    </a:fillRef>
+                    <a:effectRef idx="0">
+                      <a:schemeClr val="accent1"/>
+                    </a:effectRef>
+                    <a:fontRef idx="minor">
+                      <a:schemeClr val="tx1"/>
+                    </a:fontRef>
+                  </p:style>
+                </p:cxnSp>
+                <p:cxnSp>
+                  <p:nvCxnSpPr>
+                    <p:cNvPr id="29" name="Straight Arrow Connector 28"/>
+                    <p:cNvCxnSpPr>
+                      <a:stCxn id="4" idx="2"/>
+                      <a:endCxn id="5" idx="2"/>
+                    </p:cNvCxnSpPr>
+                    <p:nvPr/>
+                  </p:nvCxnSpPr>
+                  <p:spPr>
+                    <a:xfrm rot="16200000" flipH="1">
+                      <a:off x="6246584" y="1397654"/>
+                      <a:ext cx="12700" cy="4890409"/>
+                    </a:xfrm>
+                    <a:prstGeom prst="curvedConnector3">
+                      <a:avLst>
+                        <a:gd name="adj1" fmla="val 6271575"/>
+                      </a:avLst>
+                    </a:prstGeom>
+                    <a:solidFill>
+                      <a:srgbClr val="C00000"/>
+                    </a:solidFill>
+                    <a:ln w="50800">
+                      <a:solidFill>
+                        <a:srgbClr val="C00000"/>
+                      </a:solidFill>
+                      <a:tailEnd type="triangle"/>
+                    </a:ln>
+                  </p:spPr>
+                  <p:style>
+                    <a:lnRef idx="1">
+                      <a:schemeClr val="accent1"/>
+                    </a:lnRef>
+                    <a:fillRef idx="0">
+                      <a:schemeClr val="accent1"/>
+                    </a:fillRef>
+                    <a:effectRef idx="0">
+                      <a:schemeClr val="accent1"/>
+                    </a:effectRef>
+                    <a:fontRef idx="minor">
+                      <a:schemeClr val="tx1"/>
+                    </a:fontRef>
+                  </p:style>
+                </p:cxnSp>
+              </p:grpSp>
+            </p:grpSp>
+            <p:cxnSp>
+              <p:nvCxnSpPr>
+                <p:cNvPr id="30" name="Straight Arrow Connector 29"/>
+                <p:cNvCxnSpPr>
+                  <a:stCxn id="3" idx="2"/>
+                  <a:endCxn id="4" idx="2"/>
+                </p:cNvCxnSpPr>
+                <p:nvPr/>
+              </p:nvCxnSpPr>
+              <p:spPr>
+                <a:xfrm rot="5400000">
+                  <a:off x="5025358" y="2618881"/>
+                  <a:ext cx="12700" cy="2447956"/>
+                </a:xfrm>
+                <a:prstGeom prst="curvedConnector3">
+                  <a:avLst>
+                    <a:gd name="adj1" fmla="val 2103157"/>
+                  </a:avLst>
+                </a:prstGeom>
+                <a:solidFill>
+                  <a:srgbClr val="C00000"/>
+                </a:solidFill>
+                <a:ln w="50800">
+                  <a:solidFill>
+                    <a:srgbClr val="C00000"/>
+                  </a:solidFill>
+                  <a:tailEnd type="triangle"/>
+                </a:ln>
+              </p:spPr>
+              <p:style>
+                <a:lnRef idx="1">
+                  <a:schemeClr val="accent1"/>
+                </a:lnRef>
+                <a:fillRef idx="0">
+                  <a:schemeClr val="accent1"/>
+                </a:fillRef>
+                <a:effectRef idx="0">
+                  <a:schemeClr val="accent1"/>
+                </a:effectRef>
+                <a:fontRef idx="minor">
+                  <a:schemeClr val="tx1"/>
+                </a:fontRef>
+              </p:style>
+            </p:cxnSp>
+          </p:grpSp>
+          <p:sp>
+            <p:nvSpPr>
+              <p:cNvPr id="37" name="Rounded Rectangle 36"/>
+              <p:cNvSpPr/>
+              <p:nvPr/>
+            </p:nvSpPr>
+            <p:spPr>
+              <a:xfrm>
+                <a:off x="10986272" y="1112495"/>
+                <a:ext cx="969500" cy="977749"/>
+              </a:xfrm>
+              <a:prstGeom prst="roundRect">
+                <a:avLst/>
+              </a:prstGeom>
+              <a:solidFill>
+                <a:srgbClr val="C00000"/>
+              </a:solidFill>
+            </p:spPr>
+            <p:style>
+              <a:lnRef idx="2">
+                <a:schemeClr val="accent1">
+                  <a:shade val="50000"/>
+                </a:schemeClr>
+              </a:lnRef>
+              <a:fillRef idx="1">
+                <a:schemeClr val="accent1"/>
+              </a:fillRef>
+              <a:effectRef idx="0">
+                <a:schemeClr val="accent1"/>
+              </a:effectRef>
+              <a:fontRef idx="minor">
+                <a:schemeClr val="lt1"/>
+              </a:fontRef>
+            </p:style>
+            <p:txBody>
+              <a:bodyPr rtlCol="0" anchor="ctr"/>
+              <a:lstStyle/>
+              <a:p>
+                <a:pPr algn="ctr"/>
+                <a:r>
+                  <a:rPr lang="en-GB" sz="4000" dirty="0" smtClean="0">
+                    <a:solidFill>
+                      <a:schemeClr val="bg1"/>
+                    </a:solidFill>
+                  </a:rPr>
+                  <a:t>R</a:t>
+                </a:r>
+                <a:r>
+                  <a:rPr lang="en-GB" sz="4000" baseline="-25000" dirty="0">
+                    <a:solidFill>
+                      <a:schemeClr val="bg1"/>
+                    </a:solidFill>
+                  </a:rPr>
+                  <a:t>H</a:t>
+                </a:r>
+                <a:endParaRPr lang="en-GB" sz="4000" dirty="0">
+                  <a:solidFill>
+                    <a:schemeClr val="bg1"/>
+                  </a:solidFill>
+                </a:endParaRPr>
+              </a:p>
+            </p:txBody>
+          </p:sp>
+          <p:sp>
+            <p:nvSpPr>
+              <p:cNvPr id="40" name="TextBox 39"/>
+              <p:cNvSpPr txBox="1"/>
+              <p:nvPr/>
+            </p:nvSpPr>
+            <p:spPr>
+              <a:xfrm>
+                <a:off x="11487779" y="600878"/>
+                <a:ext cx="744732" cy="305218"/>
+              </a:xfrm>
+              <a:prstGeom prst="rect">
+                <a:avLst/>
+              </a:prstGeom>
+              <a:noFill/>
+            </p:spPr>
+            <p:txBody>
+              <a:bodyPr wrap="square" rtlCol="0">
+                <a:spAutoFit/>
+              </a:bodyPr>
+              <a:lstStyle/>
+              <a:p>
+                <a:r>
+                  <a:rPr lang="en-GB" sz="1400" dirty="0" smtClean="0"/>
+                  <a:t>Deaths</a:t>
+                </a:r>
+                <a:endParaRPr lang="en-GB" sz="1400" dirty="0"/>
+              </a:p>
+            </p:txBody>
+          </p:sp>
+        </p:grpSp>
+        <p:cxnSp>
+          <p:nvCxnSpPr>
+            <p:cNvPr id="41" name="Straight Arrow Connector 28"/>
+            <p:cNvCxnSpPr>
+              <a:stCxn id="37" idx="0"/>
+              <a:endCxn id="4" idx="0"/>
+            </p:cNvCxnSpPr>
+            <p:nvPr/>
+          </p:nvCxnSpPr>
+          <p:spPr>
+            <a:xfrm rot="16200000" flipH="1" flipV="1">
+              <a:off x="7400236" y="-2953045"/>
+              <a:ext cx="5247" cy="8136325"/>
+            </a:xfrm>
+            <a:prstGeom prst="curvedConnector3">
+              <a:avLst>
+                <a:gd name="adj1" fmla="val -11327635"/>
+              </a:avLst>
+            </a:prstGeom>
+            <a:solidFill>
+              <a:srgbClr val="C00000"/>
+            </a:solidFill>
+            <a:ln w="50800">
+              <a:solidFill>
+                <a:srgbClr val="C00000"/>
+              </a:solidFill>
+              <a:tailEnd type="triangle"/>
+            </a:ln>
+          </p:spPr>
+          <p:style>
+            <a:lnRef idx="1">
+              <a:schemeClr val="accent1"/>
+            </a:lnRef>
+            <a:fillRef idx="0">
+              <a:schemeClr val="accent1"/>
+            </a:fillRef>
+            <a:effectRef idx="0">
+              <a:schemeClr val="accent1"/>
+            </a:effectRef>
+            <a:fontRef idx="minor">
+              <a:schemeClr val="tx1"/>
+            </a:fontRef>
+          </p:style>
+        </p:cxnSp>
       </p:grpSp>
       <p:grpSp>
         <p:nvGrpSpPr>

--- a/docs/articles/resources/SHLIR_real_model.pptx
+++ b/docs/articles/resources/SHLIR_real_model.pptx
@@ -197,7 +197,7 @@
           <a:p>
             <a:fld id="{3CEAADBD-62E5-2F4A-A94D-5F96F99DEFF4}" type="datetimeFigureOut">
               <a:rPr lang="en-GB" smtClean="0"/>
-              <a:t>10/01/2018</a:t>
+              <a:t>16/03/2018</a:t>
             </a:fld>
             <a:endParaRPr lang="en-GB"/>
           </a:p>
@@ -261,35 +261,35 @@
           <a:p>
             <a:pPr lvl="0"/>
             <a:r>
-              <a:rPr lang="en-US" smtClean="0"/>
+              <a:rPr lang="en-US"/>
               <a:t>Click to edit Master text styles</a:t>
             </a:r>
           </a:p>
           <a:p>
             <a:pPr lvl="1"/>
             <a:r>
-              <a:rPr lang="en-US" smtClean="0"/>
+              <a:rPr lang="en-US"/>
               <a:t>Second level</a:t>
             </a:r>
           </a:p>
           <a:p>
             <a:pPr lvl="2"/>
             <a:r>
-              <a:rPr lang="en-US" smtClean="0"/>
+              <a:rPr lang="en-US"/>
               <a:t>Third level</a:t>
             </a:r>
           </a:p>
           <a:p>
             <a:pPr lvl="3"/>
             <a:r>
-              <a:rPr lang="en-US" smtClean="0"/>
+              <a:rPr lang="en-US"/>
               <a:t>Fourth level</a:t>
             </a:r>
           </a:p>
           <a:p>
             <a:pPr lvl="4"/>
             <a:r>
-              <a:rPr lang="en-US" smtClean="0"/>
+              <a:rPr lang="en-US"/>
               <a:t>Fifth level</a:t>
             </a:r>
             <a:endParaRPr lang="en-GB"/>
@@ -507,7 +507,7 @@
           </a:lstStyle>
           <a:p>
             <a:r>
-              <a:rPr lang="en-US" smtClean="0"/>
+              <a:rPr lang="en-US"/>
               <a:t>Click to edit Master title style</a:t>
             </a:r>
             <a:endParaRPr lang="en-GB"/>
@@ -572,7 +572,7 @@
           </a:lstStyle>
           <a:p>
             <a:r>
-              <a:rPr lang="en-US" smtClean="0"/>
+              <a:rPr lang="en-US"/>
               <a:t>Click to edit Master subtitle style</a:t>
             </a:r>
             <a:endParaRPr lang="en-GB"/>
@@ -596,7 +596,7 @@
           <a:p>
             <a:fld id="{A79B0C5A-868C-EC4F-B227-B0E7EEAFAF2D}" type="datetimeFigureOut">
               <a:rPr lang="en-GB" smtClean="0"/>
-              <a:t>10/01/2018</a:t>
+              <a:t>16/03/2018</a:t>
             </a:fld>
             <a:endParaRPr lang="en-GB"/>
           </a:p>
@@ -690,7 +690,7 @@
           <a:lstStyle/>
           <a:p>
             <a:r>
-              <a:rPr lang="en-US" smtClean="0"/>
+              <a:rPr lang="en-US"/>
               <a:t>Click to edit Master title style</a:t>
             </a:r>
             <a:endParaRPr lang="en-GB"/>
@@ -714,35 +714,35 @@
           <a:p>
             <a:pPr lvl="0"/>
             <a:r>
-              <a:rPr lang="en-US" smtClean="0"/>
+              <a:rPr lang="en-US"/>
               <a:t>Click to edit Master text styles</a:t>
             </a:r>
           </a:p>
           <a:p>
             <a:pPr lvl="1"/>
             <a:r>
-              <a:rPr lang="en-US" smtClean="0"/>
+              <a:rPr lang="en-US"/>
               <a:t>Second level</a:t>
             </a:r>
           </a:p>
           <a:p>
             <a:pPr lvl="2"/>
             <a:r>
-              <a:rPr lang="en-US" smtClean="0"/>
+              <a:rPr lang="en-US"/>
               <a:t>Third level</a:t>
             </a:r>
           </a:p>
           <a:p>
             <a:pPr lvl="3"/>
             <a:r>
-              <a:rPr lang="en-US" smtClean="0"/>
+              <a:rPr lang="en-US"/>
               <a:t>Fourth level</a:t>
             </a:r>
           </a:p>
           <a:p>
             <a:pPr lvl="4"/>
             <a:r>
-              <a:rPr lang="en-US" smtClean="0"/>
+              <a:rPr lang="en-US"/>
               <a:t>Fifth level</a:t>
             </a:r>
             <a:endParaRPr lang="en-GB"/>
@@ -766,7 +766,7 @@
           <a:p>
             <a:fld id="{A79B0C5A-868C-EC4F-B227-B0E7EEAFAF2D}" type="datetimeFigureOut">
               <a:rPr lang="en-GB" smtClean="0"/>
-              <a:t>10/01/2018</a:t>
+              <a:t>16/03/2018</a:t>
             </a:fld>
             <a:endParaRPr lang="en-GB"/>
           </a:p>
@@ -865,7 +865,7 @@
           <a:lstStyle/>
           <a:p>
             <a:r>
-              <a:rPr lang="en-US" smtClean="0"/>
+              <a:rPr lang="en-US"/>
               <a:t>Click to edit Master title style</a:t>
             </a:r>
             <a:endParaRPr lang="en-GB"/>
@@ -894,35 +894,35 @@
           <a:p>
             <a:pPr lvl="0"/>
             <a:r>
-              <a:rPr lang="en-US" smtClean="0"/>
+              <a:rPr lang="en-US"/>
               <a:t>Click to edit Master text styles</a:t>
             </a:r>
           </a:p>
           <a:p>
             <a:pPr lvl="1"/>
             <a:r>
-              <a:rPr lang="en-US" smtClean="0"/>
+              <a:rPr lang="en-US"/>
               <a:t>Second level</a:t>
             </a:r>
           </a:p>
           <a:p>
             <a:pPr lvl="2"/>
             <a:r>
-              <a:rPr lang="en-US" smtClean="0"/>
+              <a:rPr lang="en-US"/>
               <a:t>Third level</a:t>
             </a:r>
           </a:p>
           <a:p>
             <a:pPr lvl="3"/>
             <a:r>
-              <a:rPr lang="en-US" smtClean="0"/>
+              <a:rPr lang="en-US"/>
               <a:t>Fourth level</a:t>
             </a:r>
           </a:p>
           <a:p>
             <a:pPr lvl="4"/>
             <a:r>
-              <a:rPr lang="en-US" smtClean="0"/>
+              <a:rPr lang="en-US"/>
               <a:t>Fifth level</a:t>
             </a:r>
             <a:endParaRPr lang="en-GB"/>
@@ -946,7 +946,7 @@
           <a:p>
             <a:fld id="{A79B0C5A-868C-EC4F-B227-B0E7EEAFAF2D}" type="datetimeFigureOut">
               <a:rPr lang="en-GB" smtClean="0"/>
-              <a:t>10/01/2018</a:t>
+              <a:t>16/03/2018</a:t>
             </a:fld>
             <a:endParaRPr lang="en-GB"/>
           </a:p>
@@ -1040,7 +1040,7 @@
           <a:lstStyle/>
           <a:p>
             <a:r>
-              <a:rPr lang="en-US" smtClean="0"/>
+              <a:rPr lang="en-US"/>
               <a:t>Click to edit Master title style</a:t>
             </a:r>
             <a:endParaRPr lang="en-GB"/>
@@ -1064,35 +1064,35 @@
           <a:p>
             <a:pPr lvl="0"/>
             <a:r>
-              <a:rPr lang="en-US" smtClean="0"/>
+              <a:rPr lang="en-US"/>
               <a:t>Click to edit Master text styles</a:t>
             </a:r>
           </a:p>
           <a:p>
             <a:pPr lvl="1"/>
             <a:r>
-              <a:rPr lang="en-US" smtClean="0"/>
+              <a:rPr lang="en-US"/>
               <a:t>Second level</a:t>
             </a:r>
           </a:p>
           <a:p>
             <a:pPr lvl="2"/>
             <a:r>
-              <a:rPr lang="en-US" smtClean="0"/>
+              <a:rPr lang="en-US"/>
               <a:t>Third level</a:t>
             </a:r>
           </a:p>
           <a:p>
             <a:pPr lvl="3"/>
             <a:r>
-              <a:rPr lang="en-US" smtClean="0"/>
+              <a:rPr lang="en-US"/>
               <a:t>Fourth level</a:t>
             </a:r>
           </a:p>
           <a:p>
             <a:pPr lvl="4"/>
             <a:r>
-              <a:rPr lang="en-US" smtClean="0"/>
+              <a:rPr lang="en-US"/>
               <a:t>Fifth level</a:t>
             </a:r>
             <a:endParaRPr lang="en-GB"/>
@@ -1116,7 +1116,7 @@
           <a:p>
             <a:fld id="{A79B0C5A-868C-EC4F-B227-B0E7EEAFAF2D}" type="datetimeFigureOut">
               <a:rPr lang="en-GB" smtClean="0"/>
-              <a:t>10/01/2018</a:t>
+              <a:t>16/03/2018</a:t>
             </a:fld>
             <a:endParaRPr lang="en-GB"/>
           </a:p>
@@ -1219,7 +1219,7 @@
           </a:lstStyle>
           <a:p>
             <a:r>
-              <a:rPr lang="en-US" smtClean="0"/>
+              <a:rPr lang="en-US"/>
               <a:t>Click to edit Master title style</a:t>
             </a:r>
             <a:endParaRPr lang="en-GB"/>
@@ -1339,7 +1339,7 @@
           <a:p>
             <a:pPr lvl="0"/>
             <a:r>
-              <a:rPr lang="en-US" smtClean="0"/>
+              <a:rPr lang="en-US"/>
               <a:t>Click to edit Master text styles</a:t>
             </a:r>
           </a:p>
@@ -1362,7 +1362,7 @@
           <a:p>
             <a:fld id="{A79B0C5A-868C-EC4F-B227-B0E7EEAFAF2D}" type="datetimeFigureOut">
               <a:rPr lang="en-GB" smtClean="0"/>
-              <a:t>10/01/2018</a:t>
+              <a:t>16/03/2018</a:t>
             </a:fld>
             <a:endParaRPr lang="en-GB"/>
           </a:p>
@@ -1456,7 +1456,7 @@
           <a:lstStyle/>
           <a:p>
             <a:r>
-              <a:rPr lang="en-US" smtClean="0"/>
+              <a:rPr lang="en-US"/>
               <a:t>Click to edit Master title style</a:t>
             </a:r>
             <a:endParaRPr lang="en-GB"/>
@@ -1485,35 +1485,35 @@
           <a:p>
             <a:pPr lvl="0"/>
             <a:r>
-              <a:rPr lang="en-US" smtClean="0"/>
+              <a:rPr lang="en-US"/>
               <a:t>Click to edit Master text styles</a:t>
             </a:r>
           </a:p>
           <a:p>
             <a:pPr lvl="1"/>
             <a:r>
-              <a:rPr lang="en-US" smtClean="0"/>
+              <a:rPr lang="en-US"/>
               <a:t>Second level</a:t>
             </a:r>
           </a:p>
           <a:p>
             <a:pPr lvl="2"/>
             <a:r>
-              <a:rPr lang="en-US" smtClean="0"/>
+              <a:rPr lang="en-US"/>
               <a:t>Third level</a:t>
             </a:r>
           </a:p>
           <a:p>
             <a:pPr lvl="3"/>
             <a:r>
-              <a:rPr lang="en-US" smtClean="0"/>
+              <a:rPr lang="en-US"/>
               <a:t>Fourth level</a:t>
             </a:r>
           </a:p>
           <a:p>
             <a:pPr lvl="4"/>
             <a:r>
-              <a:rPr lang="en-US" smtClean="0"/>
+              <a:rPr lang="en-US"/>
               <a:t>Fifth level</a:t>
             </a:r>
             <a:endParaRPr lang="en-GB"/>
@@ -1542,35 +1542,35 @@
           <a:p>
             <a:pPr lvl="0"/>
             <a:r>
-              <a:rPr lang="en-US" smtClean="0"/>
+              <a:rPr lang="en-US"/>
               <a:t>Click to edit Master text styles</a:t>
             </a:r>
           </a:p>
           <a:p>
             <a:pPr lvl="1"/>
             <a:r>
-              <a:rPr lang="en-US" smtClean="0"/>
+              <a:rPr lang="en-US"/>
               <a:t>Second level</a:t>
             </a:r>
           </a:p>
           <a:p>
             <a:pPr lvl="2"/>
             <a:r>
-              <a:rPr lang="en-US" smtClean="0"/>
+              <a:rPr lang="en-US"/>
               <a:t>Third level</a:t>
             </a:r>
           </a:p>
           <a:p>
             <a:pPr lvl="3"/>
             <a:r>
-              <a:rPr lang="en-US" smtClean="0"/>
+              <a:rPr lang="en-US"/>
               <a:t>Fourth level</a:t>
             </a:r>
           </a:p>
           <a:p>
             <a:pPr lvl="4"/>
             <a:r>
-              <a:rPr lang="en-US" smtClean="0"/>
+              <a:rPr lang="en-US"/>
               <a:t>Fifth level</a:t>
             </a:r>
             <a:endParaRPr lang="en-GB"/>
@@ -1594,7 +1594,7 @@
           <a:p>
             <a:fld id="{A79B0C5A-868C-EC4F-B227-B0E7EEAFAF2D}" type="datetimeFigureOut">
               <a:rPr lang="en-GB" smtClean="0"/>
-              <a:t>10/01/2018</a:t>
+              <a:t>16/03/2018</a:t>
             </a:fld>
             <a:endParaRPr lang="en-GB"/>
           </a:p>
@@ -1693,7 +1693,7 @@
           <a:lstStyle/>
           <a:p>
             <a:r>
-              <a:rPr lang="en-US" smtClean="0"/>
+              <a:rPr lang="en-US"/>
               <a:t>Click to edit Master title style</a:t>
             </a:r>
             <a:endParaRPr lang="en-GB"/>
@@ -1759,7 +1759,7 @@
           <a:p>
             <a:pPr lvl="0"/>
             <a:r>
-              <a:rPr lang="en-US" smtClean="0"/>
+              <a:rPr lang="en-US"/>
               <a:t>Click to edit Master text styles</a:t>
             </a:r>
           </a:p>
@@ -1787,35 +1787,35 @@
           <a:p>
             <a:pPr lvl="0"/>
             <a:r>
-              <a:rPr lang="en-US" smtClean="0"/>
+              <a:rPr lang="en-US"/>
               <a:t>Click to edit Master text styles</a:t>
             </a:r>
           </a:p>
           <a:p>
             <a:pPr lvl="1"/>
             <a:r>
-              <a:rPr lang="en-US" smtClean="0"/>
+              <a:rPr lang="en-US"/>
               <a:t>Second level</a:t>
             </a:r>
           </a:p>
           <a:p>
             <a:pPr lvl="2"/>
             <a:r>
-              <a:rPr lang="en-US" smtClean="0"/>
+              <a:rPr lang="en-US"/>
               <a:t>Third level</a:t>
             </a:r>
           </a:p>
           <a:p>
             <a:pPr lvl="3"/>
             <a:r>
-              <a:rPr lang="en-US" smtClean="0"/>
+              <a:rPr lang="en-US"/>
               <a:t>Fourth level</a:t>
             </a:r>
           </a:p>
           <a:p>
             <a:pPr lvl="4"/>
             <a:r>
-              <a:rPr lang="en-US" smtClean="0"/>
+              <a:rPr lang="en-US"/>
               <a:t>Fifth level</a:t>
             </a:r>
             <a:endParaRPr lang="en-GB"/>
@@ -1881,7 +1881,7 @@
           <a:p>
             <a:pPr lvl="0"/>
             <a:r>
-              <a:rPr lang="en-US" smtClean="0"/>
+              <a:rPr lang="en-US"/>
               <a:t>Click to edit Master text styles</a:t>
             </a:r>
           </a:p>
@@ -1909,35 +1909,35 @@
           <a:p>
             <a:pPr lvl="0"/>
             <a:r>
-              <a:rPr lang="en-US" smtClean="0"/>
+              <a:rPr lang="en-US"/>
               <a:t>Click to edit Master text styles</a:t>
             </a:r>
           </a:p>
           <a:p>
             <a:pPr lvl="1"/>
             <a:r>
-              <a:rPr lang="en-US" smtClean="0"/>
+              <a:rPr lang="en-US"/>
               <a:t>Second level</a:t>
             </a:r>
           </a:p>
           <a:p>
             <a:pPr lvl="2"/>
             <a:r>
-              <a:rPr lang="en-US" smtClean="0"/>
+              <a:rPr lang="en-US"/>
               <a:t>Third level</a:t>
             </a:r>
           </a:p>
           <a:p>
             <a:pPr lvl="3"/>
             <a:r>
-              <a:rPr lang="en-US" smtClean="0"/>
+              <a:rPr lang="en-US"/>
               <a:t>Fourth level</a:t>
             </a:r>
           </a:p>
           <a:p>
             <a:pPr lvl="4"/>
             <a:r>
-              <a:rPr lang="en-US" smtClean="0"/>
+              <a:rPr lang="en-US"/>
               <a:t>Fifth level</a:t>
             </a:r>
             <a:endParaRPr lang="en-GB"/>
@@ -1961,7 +1961,7 @@
           <a:p>
             <a:fld id="{A79B0C5A-868C-EC4F-B227-B0E7EEAFAF2D}" type="datetimeFigureOut">
               <a:rPr lang="en-GB" smtClean="0"/>
-              <a:t>10/01/2018</a:t>
+              <a:t>16/03/2018</a:t>
             </a:fld>
             <a:endParaRPr lang="en-GB"/>
           </a:p>
@@ -2055,7 +2055,7 @@
           <a:lstStyle/>
           <a:p>
             <a:r>
-              <a:rPr lang="en-US" smtClean="0"/>
+              <a:rPr lang="en-US"/>
               <a:t>Click to edit Master title style</a:t>
             </a:r>
             <a:endParaRPr lang="en-GB"/>
@@ -2079,7 +2079,7 @@
           <a:p>
             <a:fld id="{A79B0C5A-868C-EC4F-B227-B0E7EEAFAF2D}" type="datetimeFigureOut">
               <a:rPr lang="en-GB" smtClean="0"/>
-              <a:t>10/01/2018</a:t>
+              <a:t>16/03/2018</a:t>
             </a:fld>
             <a:endParaRPr lang="en-GB"/>
           </a:p>
@@ -2174,7 +2174,7 @@
           <a:p>
             <a:fld id="{A79B0C5A-868C-EC4F-B227-B0E7EEAFAF2D}" type="datetimeFigureOut">
               <a:rPr lang="en-GB" smtClean="0"/>
-              <a:t>10/01/2018</a:t>
+              <a:t>16/03/2018</a:t>
             </a:fld>
             <a:endParaRPr lang="en-GB"/>
           </a:p>
@@ -2277,7 +2277,7 @@
           </a:lstStyle>
           <a:p>
             <a:r>
-              <a:rPr lang="en-US" smtClean="0"/>
+              <a:rPr lang="en-US"/>
               <a:t>Click to edit Master title style</a:t>
             </a:r>
             <a:endParaRPr lang="en-GB"/>
@@ -2334,35 +2334,35 @@
           <a:p>
             <a:pPr lvl="0"/>
             <a:r>
-              <a:rPr lang="en-US" smtClean="0"/>
+              <a:rPr lang="en-US"/>
               <a:t>Click to edit Master text styles</a:t>
             </a:r>
           </a:p>
           <a:p>
             <a:pPr lvl="1"/>
             <a:r>
-              <a:rPr lang="en-US" smtClean="0"/>
+              <a:rPr lang="en-US"/>
               <a:t>Second level</a:t>
             </a:r>
           </a:p>
           <a:p>
             <a:pPr lvl="2"/>
             <a:r>
-              <a:rPr lang="en-US" smtClean="0"/>
+              <a:rPr lang="en-US"/>
               <a:t>Third level</a:t>
             </a:r>
           </a:p>
           <a:p>
             <a:pPr lvl="3"/>
             <a:r>
-              <a:rPr lang="en-US" smtClean="0"/>
+              <a:rPr lang="en-US"/>
               <a:t>Fourth level</a:t>
             </a:r>
           </a:p>
           <a:p>
             <a:pPr lvl="4"/>
             <a:r>
-              <a:rPr lang="en-US" smtClean="0"/>
+              <a:rPr lang="en-US"/>
               <a:t>Fifth level</a:t>
             </a:r>
             <a:endParaRPr lang="en-GB"/>
@@ -2428,7 +2428,7 @@
           <a:p>
             <a:pPr lvl="0"/>
             <a:r>
-              <a:rPr lang="en-US" smtClean="0"/>
+              <a:rPr lang="en-US"/>
               <a:t>Click to edit Master text styles</a:t>
             </a:r>
           </a:p>
@@ -2451,7 +2451,7 @@
           <a:p>
             <a:fld id="{A79B0C5A-868C-EC4F-B227-B0E7EEAFAF2D}" type="datetimeFigureOut">
               <a:rPr lang="en-GB" smtClean="0"/>
-              <a:t>10/01/2018</a:t>
+              <a:t>16/03/2018</a:t>
             </a:fld>
             <a:endParaRPr lang="en-GB"/>
           </a:p>
@@ -2554,7 +2554,7 @@
           </a:lstStyle>
           <a:p>
             <a:r>
-              <a:rPr lang="en-US" smtClean="0"/>
+              <a:rPr lang="en-US"/>
               <a:t>Click to edit Master title style</a:t>
             </a:r>
             <a:endParaRPr lang="en-GB"/>
@@ -2681,7 +2681,7 @@
           <a:p>
             <a:pPr lvl="0"/>
             <a:r>
-              <a:rPr lang="en-US" smtClean="0"/>
+              <a:rPr lang="en-US"/>
               <a:t>Click to edit Master text styles</a:t>
             </a:r>
           </a:p>
@@ -2704,7 +2704,7 @@
           <a:p>
             <a:fld id="{A79B0C5A-868C-EC4F-B227-B0E7EEAFAF2D}" type="datetimeFigureOut">
               <a:rPr lang="en-GB" smtClean="0"/>
-              <a:t>10/01/2018</a:t>
+              <a:t>16/03/2018</a:t>
             </a:fld>
             <a:endParaRPr lang="en-GB"/>
           </a:p>
@@ -2813,7 +2813,7 @@
           <a:lstStyle/>
           <a:p>
             <a:r>
-              <a:rPr lang="en-US" smtClean="0"/>
+              <a:rPr lang="en-US"/>
               <a:t>Click to edit Master title style</a:t>
             </a:r>
             <a:endParaRPr lang="en-GB"/>
@@ -2847,35 +2847,35 @@
           <a:p>
             <a:pPr lvl="0"/>
             <a:r>
-              <a:rPr lang="en-US" smtClean="0"/>
+              <a:rPr lang="en-US"/>
               <a:t>Click to edit Master text styles</a:t>
             </a:r>
           </a:p>
           <a:p>
             <a:pPr lvl="1"/>
             <a:r>
-              <a:rPr lang="en-US" smtClean="0"/>
+              <a:rPr lang="en-US"/>
               <a:t>Second level</a:t>
             </a:r>
           </a:p>
           <a:p>
             <a:pPr lvl="2"/>
             <a:r>
-              <a:rPr lang="en-US" smtClean="0"/>
+              <a:rPr lang="en-US"/>
               <a:t>Third level</a:t>
             </a:r>
           </a:p>
           <a:p>
             <a:pPr lvl="3"/>
             <a:r>
-              <a:rPr lang="en-US" smtClean="0"/>
+              <a:rPr lang="en-US"/>
               <a:t>Fourth level</a:t>
             </a:r>
           </a:p>
           <a:p>
             <a:pPr lvl="4"/>
             <a:r>
-              <a:rPr lang="en-US" smtClean="0"/>
+              <a:rPr lang="en-US"/>
               <a:t>Fifth level</a:t>
             </a:r>
             <a:endParaRPr lang="en-GB"/>
@@ -2917,7 +2917,7 @@
           <a:p>
             <a:fld id="{A79B0C5A-868C-EC4F-B227-B0E7EEAFAF2D}" type="datetimeFigureOut">
               <a:rPr lang="en-GB" smtClean="0"/>
-              <a:t>10/01/2018</a:t>
+              <a:t>16/03/2018</a:t>
             </a:fld>
             <a:endParaRPr lang="en-GB"/>
           </a:p>
@@ -3322,6 +3322,48 @@
           <a:chExt cx="0" cy="0"/>
         </a:xfrm>
       </p:grpSpPr>
+      <p:cxnSp>
+        <p:nvCxnSpPr>
+          <p:cNvPr id="79" name="Straight Arrow Connector 78">
+            <a:extLst>
+              <a:ext uri="{FF2B5EF4-FFF2-40B4-BE49-F238E27FC236}">
+                <a16:creationId xmlns:a16="http://schemas.microsoft.com/office/drawing/2014/main" id="{432E6D34-BAC3-BB46-936E-53046D80733F}"/>
+              </a:ext>
+            </a:extLst>
+          </p:cNvPr>
+          <p:cNvCxnSpPr/>
+          <p:nvPr/>
+        </p:nvCxnSpPr>
+        <p:spPr>
+          <a:xfrm>
+            <a:off x="9253376" y="5336840"/>
+            <a:ext cx="0" cy="348187"/>
+          </a:xfrm>
+          <a:prstGeom prst="straightConnector1">
+            <a:avLst/>
+          </a:prstGeom>
+          <a:ln w="50800">
+            <a:solidFill>
+              <a:srgbClr val="C00000"/>
+            </a:solidFill>
+            <a:tailEnd type="triangle"/>
+          </a:ln>
+        </p:spPr>
+        <p:style>
+          <a:lnRef idx="1">
+            <a:schemeClr val="accent1"/>
+          </a:lnRef>
+          <a:fillRef idx="0">
+            <a:schemeClr val="accent1"/>
+          </a:fillRef>
+          <a:effectRef idx="0">
+            <a:schemeClr val="accent1"/>
+          </a:effectRef>
+          <a:fontRef idx="minor">
+            <a:schemeClr val="tx1"/>
+          </a:fontRef>
+        </p:style>
+      </p:cxnSp>
       <p:grpSp>
         <p:nvGrpSpPr>
           <p:cNvPr id="45" name="Group 44"/>
@@ -3331,9 +3373,9 @@
         <p:grpSpPr>
           <a:xfrm>
             <a:off x="630325" y="3831271"/>
-            <a:ext cx="11409938" cy="1984881"/>
+            <a:ext cx="11409938" cy="1987440"/>
             <a:chOff x="822573" y="578706"/>
-            <a:chExt cx="11409938" cy="1984881"/>
+            <a:chExt cx="11409938" cy="1987440"/>
           </a:xfrm>
         </p:grpSpPr>
         <p:cxnSp>
@@ -3423,9 +3465,9 @@
           <p:grpSpPr>
             <a:xfrm>
               <a:off x="822573" y="578706"/>
-              <a:ext cx="11409938" cy="1984881"/>
+              <a:ext cx="11409938" cy="1987440"/>
               <a:chOff x="822573" y="578706"/>
-              <a:chExt cx="11409938" cy="1984881"/>
+              <a:chExt cx="11409938" cy="1987440"/>
             </a:xfrm>
           </p:grpSpPr>
           <p:grpSp>
@@ -3437,9 +3479,9 @@
             <p:grpSpPr>
               <a:xfrm>
                 <a:off x="822573" y="578706"/>
-                <a:ext cx="9341963" cy="1984881"/>
+                <a:ext cx="9341963" cy="1987440"/>
                 <a:chOff x="781751" y="2007455"/>
-                <a:chExt cx="11229245" cy="2401826"/>
+                <a:chExt cx="11229245" cy="2404922"/>
               </a:xfrm>
             </p:grpSpPr>
             <p:grpSp>
@@ -3451,9 +3493,9 @@
               <p:grpSpPr>
                 <a:xfrm>
                   <a:off x="781751" y="2007455"/>
-                  <a:ext cx="11229245" cy="2401826"/>
+                  <a:ext cx="11229245" cy="2404922"/>
                   <a:chOff x="781751" y="2007455"/>
-                  <a:chExt cx="11229245" cy="2401826"/>
+                  <a:chExt cx="11229245" cy="2404922"/>
                 </a:xfrm>
               </p:grpSpPr>
               <p:sp>
@@ -3479,10 +3521,9 @@
                   <a:lstStyle/>
                   <a:p>
                     <a:r>
-                      <a:rPr lang="en-GB" sz="1400" dirty="0" smtClean="0"/>
+                      <a:rPr lang="en-GB" sz="1400" dirty="0"/>
                       <a:t>Deaths</a:t>
                     </a:r>
-                    <a:endParaRPr lang="en-GB" sz="1400" dirty="0"/>
                   </a:p>
                 </p:txBody>
               </p:sp>
@@ -3497,9 +3538,9 @@
                 <p:grpSpPr>
                   <a:xfrm>
                     <a:off x="781751" y="2007455"/>
-                    <a:ext cx="10939899" cy="2401826"/>
+                    <a:ext cx="10939899" cy="2404922"/>
                     <a:chOff x="781751" y="2007455"/>
-                    <a:chExt cx="10939899" cy="2401826"/>
+                    <a:chExt cx="10939899" cy="2404922"/>
                   </a:xfrm>
                 </p:grpSpPr>
                 <p:grpSp>
@@ -3513,9 +3554,9 @@
                   <p:grpSpPr>
                     <a:xfrm>
                       <a:off x="781751" y="2007455"/>
-                      <a:ext cx="8786793" cy="2401826"/>
+                      <a:ext cx="8786793" cy="2404922"/>
                       <a:chOff x="595994" y="1497565"/>
-                      <a:chExt cx="10857572" cy="2923272"/>
+                      <a:chExt cx="10857572" cy="2927040"/>
                     </a:xfrm>
                   </p:grpSpPr>
                   <p:grpSp>
@@ -3600,7 +3641,7 @@
                             <a:p>
                               <a:pPr algn="ctr"/>
                               <a:r>
-                                <a:rPr lang="en-GB" sz="4000" dirty="0" smtClean="0">
+                                <a:rPr lang="en-GB" sz="4000" dirty="0">
                                   <a:solidFill>
                                     <a:schemeClr val="bg1"/>
                                   </a:solidFill>
@@ -3663,7 +3704,7 @@
                             <a:p>
                               <a:pPr algn="ctr"/>
                               <a:r>
-                                <a:rPr lang="en-GB" sz="4000" dirty="0" smtClean="0">
+                                <a:rPr lang="en-GB" sz="4000" dirty="0">
                                   <a:solidFill>
                                     <a:schemeClr val="bg1"/>
                                   </a:solidFill>
@@ -3726,7 +3767,7 @@
                             <a:p>
                               <a:pPr algn="ctr"/>
                               <a:r>
-                                <a:rPr lang="en-GB" sz="4000" dirty="0" smtClean="0">
+                                <a:rPr lang="en-GB" sz="4000" dirty="0">
                                   <a:solidFill>
                                     <a:schemeClr val="bg1"/>
                                   </a:solidFill>
@@ -3789,7 +3830,7 @@
                             <a:p>
                               <a:pPr algn="ctr"/>
                               <a:r>
-                                <a:rPr lang="en-GB" sz="4000" dirty="0" smtClean="0">
+                                <a:rPr lang="en-GB" sz="4000" dirty="0">
                                   <a:solidFill>
                                     <a:schemeClr val="bg1"/>
                                   </a:solidFill>
@@ -4151,10 +4192,9 @@
                       <a:lstStyle/>
                       <a:p>
                         <a:r>
-                          <a:rPr lang="en-GB" sz="1400" dirty="0" smtClean="0"/>
+                          <a:rPr lang="en-GB" sz="1400" dirty="0"/>
                           <a:t>Deaths</a:t>
                         </a:r>
-                        <a:endParaRPr lang="en-GB" sz="1400" dirty="0"/>
                       </a:p>
                     </p:txBody>
                   </p:sp>
@@ -4181,10 +4221,9 @@
                       <a:lstStyle/>
                       <a:p>
                         <a:r>
-                          <a:rPr lang="en-GB" sz="1400" dirty="0" smtClean="0"/>
+                          <a:rPr lang="en-GB" sz="1400" dirty="0"/>
                           <a:t>Deaths</a:t>
                         </a:r>
-                        <a:endParaRPr lang="en-GB" sz="1400" dirty="0"/>
                       </a:p>
                     </p:txBody>
                   </p:sp>
@@ -4211,10 +4250,9 @@
                       <a:lstStyle/>
                       <a:p>
                         <a:r>
-                          <a:rPr lang="en-GB" sz="1400" dirty="0" smtClean="0"/>
+                          <a:rPr lang="en-GB" sz="1400" dirty="0"/>
                           <a:t>Deaths</a:t>
                         </a:r>
-                        <a:endParaRPr lang="en-GB" sz="1400" dirty="0"/>
                       </a:p>
                     </p:txBody>
                   </p:sp>
@@ -4241,10 +4279,9 @@
                       <a:lstStyle/>
                       <a:p>
                         <a:r>
-                          <a:rPr lang="en-GB" sz="1400" dirty="0" smtClean="0"/>
+                          <a:rPr lang="en-GB" sz="1400" dirty="0"/>
                           <a:t>Deaths</a:t>
                         </a:r>
-                        <a:endParaRPr lang="en-GB" sz="1400" dirty="0"/>
                       </a:p>
                     </p:txBody>
                   </p:sp>
@@ -4256,8 +4293,8 @@
                     </p:nvSpPr>
                     <p:spPr>
                       <a:xfrm>
-                        <a:off x="1390450" y="3971322"/>
-                        <a:ext cx="953326" cy="449515"/>
+                        <a:off x="1390448" y="3971321"/>
+                        <a:ext cx="2400989" cy="453284"/>
                       </a:xfrm>
                       <a:prstGeom prst="rect">
                         <a:avLst/>
@@ -4271,10 +4308,9 @@
                       <a:lstStyle/>
                       <a:p>
                         <a:r>
-                          <a:rPr lang="en-GB" sz="1400" dirty="0" smtClean="0"/>
-                          <a:t>Births</a:t>
+                          <a:rPr lang="en-GB" sz="1400" dirty="0"/>
+                          <a:t>Births/Immigration</a:t>
                         </a:r>
-                        <a:endParaRPr lang="en-GB" sz="1400" dirty="0"/>
                       </a:p>
                     </p:txBody>
                   </p:sp>
@@ -4319,7 +4355,7 @@
                     <a:p>
                       <a:pPr algn="ctr"/>
                       <a:r>
-                        <a:rPr lang="en-GB" sz="4000" dirty="0" smtClean="0">
+                        <a:rPr lang="en-GB" sz="4000" dirty="0">
                           <a:solidFill>
                             <a:schemeClr val="bg1"/>
                           </a:solidFill>
@@ -4551,7 +4587,7 @@
               <a:p>
                 <a:pPr algn="ctr"/>
                 <a:r>
-                  <a:rPr lang="en-GB" sz="4000" dirty="0" smtClean="0">
+                  <a:rPr lang="en-GB" sz="4000" dirty="0">
                     <a:solidFill>
                       <a:schemeClr val="bg1"/>
                     </a:solidFill>
@@ -4597,10 +4633,9 @@
               <a:lstStyle/>
               <a:p>
                 <a:r>
-                  <a:rPr lang="en-GB" sz="1400" dirty="0" smtClean="0"/>
+                  <a:rPr lang="en-GB" sz="1400" dirty="0"/>
                   <a:t>Deaths</a:t>
                 </a:r>
-                <a:endParaRPr lang="en-GB" sz="1400" dirty="0"/>
               </a:p>
             </p:txBody>
           </p:sp>
@@ -4659,9 +4694,9 @@
         <p:grpSpPr>
           <a:xfrm>
             <a:off x="524190" y="492078"/>
-            <a:ext cx="11409938" cy="1984881"/>
+            <a:ext cx="11409938" cy="1984882"/>
             <a:chOff x="524190" y="492078"/>
-            <a:chExt cx="11409938" cy="1984881"/>
+            <a:chExt cx="11409938" cy="1984882"/>
           </a:xfrm>
         </p:grpSpPr>
         <p:grpSp>
@@ -4673,9 +4708,9 @@
           <p:grpSpPr>
             <a:xfrm>
               <a:off x="524190" y="492078"/>
-              <a:ext cx="11409938" cy="1984881"/>
+              <a:ext cx="11409938" cy="1984882"/>
               <a:chOff x="822573" y="578706"/>
-              <a:chExt cx="11409938" cy="1984881"/>
+              <a:chExt cx="11409938" cy="1984882"/>
             </a:xfrm>
           </p:grpSpPr>
           <p:cxnSp>
@@ -4753,9 +4788,9 @@
             <p:grpSpPr>
               <a:xfrm>
                 <a:off x="822573" y="578706"/>
-                <a:ext cx="11409938" cy="1984881"/>
+                <a:ext cx="11409938" cy="1984882"/>
                 <a:chOff x="822573" y="578706"/>
-                <a:chExt cx="11409938" cy="1984881"/>
+                <a:chExt cx="11409938" cy="1984882"/>
               </a:xfrm>
             </p:grpSpPr>
             <p:grpSp>
@@ -4767,9 +4802,9 @@
               <p:grpSpPr>
                 <a:xfrm>
                   <a:off x="822573" y="578706"/>
-                  <a:ext cx="9341963" cy="1984881"/>
+                  <a:ext cx="9341963" cy="1984882"/>
                   <a:chOff x="781751" y="2007455"/>
-                  <a:chExt cx="11229245" cy="2401826"/>
+                  <a:chExt cx="11229245" cy="2401827"/>
                 </a:xfrm>
               </p:grpSpPr>
               <p:grpSp>
@@ -4781,9 +4816,9 @@
                 <p:grpSpPr>
                   <a:xfrm>
                     <a:off x="781751" y="2007455"/>
-                    <a:ext cx="11229245" cy="2401826"/>
+                    <a:ext cx="11229245" cy="2401827"/>
                     <a:chOff x="781751" y="2007455"/>
-                    <a:chExt cx="11229245" cy="2401826"/>
+                    <a:chExt cx="11229245" cy="2401827"/>
                   </a:xfrm>
                 </p:grpSpPr>
                 <p:sp>
@@ -4809,10 +4844,9 @@
                     <a:lstStyle/>
                     <a:p>
                       <a:r>
-                        <a:rPr lang="en-GB" sz="1400" dirty="0" smtClean="0"/>
+                        <a:rPr lang="en-GB" sz="1400" dirty="0"/>
                         <a:t>Deaths</a:t>
                       </a:r>
-                      <a:endParaRPr lang="en-GB" sz="1400" dirty="0"/>
                     </a:p>
                   </p:txBody>
                 </p:sp>
@@ -4827,9 +4861,9 @@
                   <p:grpSpPr>
                     <a:xfrm>
                       <a:off x="781751" y="2007455"/>
-                      <a:ext cx="10939899" cy="2401826"/>
+                      <a:ext cx="10939899" cy="2401827"/>
                       <a:chOff x="781751" y="2007455"/>
-                      <a:chExt cx="10939899" cy="2401826"/>
+                      <a:chExt cx="10939899" cy="2401827"/>
                     </a:xfrm>
                   </p:grpSpPr>
                   <p:grpSp>
@@ -4843,9 +4877,9 @@
                     <p:grpSpPr>
                       <a:xfrm>
                         <a:off x="781751" y="2007455"/>
-                        <a:ext cx="8786793" cy="2401826"/>
+                        <a:ext cx="8786793" cy="2401827"/>
                         <a:chOff x="595994" y="1497565"/>
-                        <a:chExt cx="10857572" cy="2923272"/>
+                        <a:chExt cx="10857572" cy="2923273"/>
                       </a:xfrm>
                     </p:grpSpPr>
                     <p:grpSp>
@@ -4927,7 +4961,7 @@
                               <a:p>
                                 <a:pPr algn="ctr"/>
                                 <a:r>
-                                  <a:rPr lang="en-GB" sz="4000" dirty="0" smtClean="0">
+                                  <a:rPr lang="en-GB" sz="4000" dirty="0">
                                     <a:solidFill>
                                       <a:schemeClr val="bg1"/>
                                     </a:solidFill>
@@ -4935,7 +4969,7 @@
                                   <a:t>S</a:t>
                                 </a:r>
                                 <a:r>
-                                  <a:rPr lang="en-GB" sz="4000" baseline="-25000" dirty="0" smtClean="0">
+                                  <a:rPr lang="en-GB" sz="4000" baseline="-25000" dirty="0">
                                     <a:solidFill>
                                       <a:schemeClr val="bg1"/>
                                     </a:solidFill>
@@ -4987,7 +5021,7 @@
                               <a:p>
                                 <a:pPr algn="ctr"/>
                                 <a:r>
-                                  <a:rPr lang="en-GB" sz="4000" dirty="0" smtClean="0">
+                                  <a:rPr lang="en-GB" sz="4000" dirty="0">
                                     <a:solidFill>
                                       <a:schemeClr val="bg1"/>
                                     </a:solidFill>
@@ -4995,7 +5029,7 @@
                                   <a:t>L</a:t>
                                 </a:r>
                                 <a:r>
-                                  <a:rPr lang="en-GB" sz="4000" baseline="-25000" dirty="0" smtClean="0">
+                                  <a:rPr lang="en-GB" sz="4000" baseline="-25000" dirty="0">
                                     <a:solidFill>
                                       <a:schemeClr val="bg1"/>
                                     </a:solidFill>
@@ -5047,7 +5081,7 @@
                               <a:p>
                                 <a:pPr algn="ctr"/>
                                 <a:r>
-                                  <a:rPr lang="en-GB" sz="4000" dirty="0" smtClean="0">
+                                  <a:rPr lang="en-GB" sz="4000" dirty="0">
                                     <a:solidFill>
                                       <a:schemeClr val="bg1"/>
                                     </a:solidFill>
@@ -5055,7 +5089,7 @@
                                   <a:t>H</a:t>
                                 </a:r>
                                 <a:r>
-                                  <a:rPr lang="en-GB" sz="4000" baseline="-25000" dirty="0" smtClean="0">
+                                  <a:rPr lang="en-GB" sz="4000" baseline="-25000" dirty="0">
                                     <a:solidFill>
                                       <a:schemeClr val="bg1"/>
                                     </a:solidFill>
@@ -5107,7 +5141,7 @@
                               <a:p>
                                 <a:pPr algn="ctr"/>
                                 <a:r>
-                                  <a:rPr lang="en-GB" sz="4000" dirty="0" smtClean="0">
+                                  <a:rPr lang="en-GB" sz="4000" dirty="0">
                                     <a:solidFill>
                                       <a:schemeClr val="bg1"/>
                                     </a:solidFill>
@@ -5115,7 +5149,7 @@
                                   <a:t>I</a:t>
                                 </a:r>
                                 <a:r>
-                                  <a:rPr lang="en-GB" sz="4000" baseline="-25000" dirty="0" smtClean="0">
+                                  <a:rPr lang="en-GB" sz="4000" baseline="-25000" dirty="0">
                                     <a:solidFill>
                                       <a:schemeClr val="bg1"/>
                                     </a:solidFill>
@@ -5439,10 +5473,9 @@
                         <a:lstStyle/>
                         <a:p>
                           <a:r>
-                            <a:rPr lang="en-GB" sz="1400" dirty="0" smtClean="0"/>
+                            <a:rPr lang="en-GB" sz="1400" dirty="0"/>
                             <a:t>Deaths</a:t>
                           </a:r>
-                          <a:endParaRPr lang="en-GB" sz="1400" dirty="0"/>
                         </a:p>
                       </p:txBody>
                     </p:sp>
@@ -5469,10 +5502,9 @@
                         <a:lstStyle/>
                         <a:p>
                           <a:r>
-                            <a:rPr lang="en-GB" sz="1400" dirty="0" smtClean="0"/>
+                            <a:rPr lang="en-GB" sz="1400" dirty="0"/>
                             <a:t>Deaths</a:t>
                           </a:r>
-                          <a:endParaRPr lang="en-GB" sz="1400" dirty="0"/>
                         </a:p>
                       </p:txBody>
                     </p:sp>
@@ -5499,10 +5531,9 @@
                         <a:lstStyle/>
                         <a:p>
                           <a:r>
-                            <a:rPr lang="en-GB" sz="1400" dirty="0" smtClean="0"/>
+                            <a:rPr lang="en-GB" sz="1400" dirty="0"/>
                             <a:t>Deaths</a:t>
                           </a:r>
-                          <a:endParaRPr lang="en-GB" sz="1400" dirty="0"/>
                         </a:p>
                       </p:txBody>
                     </p:sp>
@@ -5529,10 +5560,9 @@
                         <a:lstStyle/>
                         <a:p>
                           <a:r>
-                            <a:rPr lang="en-GB" sz="1400" dirty="0" smtClean="0"/>
+                            <a:rPr lang="en-GB" sz="1400" dirty="0"/>
                             <a:t>Deaths</a:t>
                           </a:r>
-                          <a:endParaRPr lang="en-GB" sz="1400" dirty="0"/>
                         </a:p>
                       </p:txBody>
                     </p:sp>
@@ -5544,8 +5574,8 @@
                       </p:nvSpPr>
                       <p:spPr>
                         <a:xfrm>
-                          <a:off x="1390450" y="3971322"/>
-                          <a:ext cx="953326" cy="449515"/>
+                          <a:off x="1390449" y="3971322"/>
+                          <a:ext cx="953326" cy="449516"/>
                         </a:xfrm>
                         <a:prstGeom prst="rect">
                           <a:avLst/>
@@ -5559,10 +5589,9 @@
                         <a:lstStyle/>
                         <a:p>
                           <a:r>
-                            <a:rPr lang="en-GB" sz="1400" dirty="0" smtClean="0"/>
+                            <a:rPr lang="en-GB" sz="1400" dirty="0"/>
                             <a:t>Births</a:t>
                           </a:r>
-                          <a:endParaRPr lang="en-GB" sz="1400" dirty="0"/>
                         </a:p>
                       </p:txBody>
                     </p:sp>
@@ -5612,7 +5641,7 @@
                           <a:t>T</a:t>
                         </a:r>
                         <a:r>
-                          <a:rPr lang="en-GB" sz="4000" baseline="-25000" dirty="0" smtClean="0">
+                          <a:rPr lang="en-GB" sz="4000" baseline="-25000" dirty="0">
                             <a:solidFill>
                               <a:schemeClr val="bg1"/>
                             </a:solidFill>
@@ -5809,7 +5838,7 @@
                 <a:p>
                   <a:pPr algn="ctr"/>
                   <a:r>
-                    <a:rPr lang="en-GB" sz="4000" dirty="0" smtClean="0">
+                    <a:rPr lang="en-GB" sz="4000" dirty="0">
                       <a:solidFill>
                         <a:schemeClr val="bg1"/>
                       </a:solidFill>
@@ -5817,7 +5846,7 @@
                     <a:t>R</a:t>
                   </a:r>
                   <a:r>
-                    <a:rPr lang="en-GB" sz="4000" baseline="-25000" dirty="0" smtClean="0">
+                    <a:rPr lang="en-GB" sz="4000" baseline="-25000" dirty="0">
                       <a:solidFill>
                         <a:schemeClr val="bg1"/>
                       </a:solidFill>
@@ -5855,10 +5884,9 @@
                 <a:lstStyle/>
                 <a:p>
                   <a:r>
-                    <a:rPr lang="en-GB" sz="1400" dirty="0" smtClean="0"/>
+                    <a:rPr lang="en-GB" sz="1400" dirty="0"/>
                     <a:t>Deaths</a:t>
                   </a:r>
-                  <a:endParaRPr lang="en-GB" sz="1400" dirty="0"/>
                 </a:p>
               </p:txBody>
             </p:sp>
@@ -5958,14 +5986,48 @@
             <a:lstStyle/>
             <a:p>
               <a:r>
-                <a:rPr lang="en-GB" sz="1400" smtClean="0"/>
+                <a:rPr lang="en-GB" sz="1400" dirty="0"/>
                 <a:t>TB Deaths</a:t>
               </a:r>
-              <a:endParaRPr lang="en-GB" sz="1400" dirty="0"/>
             </a:p>
           </p:txBody>
         </p:sp>
       </p:grpSp>
+      <p:sp>
+        <p:nvSpPr>
+          <p:cNvPr id="80" name="TextBox 79">
+            <a:extLst>
+              <a:ext uri="{FF2B5EF4-FFF2-40B4-BE49-F238E27FC236}">
+                <a16:creationId xmlns:a16="http://schemas.microsoft.com/office/drawing/2014/main" id="{63EB62DA-F8B0-4346-930B-4D849413806F}"/>
+              </a:ext>
+            </a:extLst>
+          </p:cNvPr>
+          <p:cNvSpPr txBox="1"/>
+          <p:nvPr/>
+        </p:nvSpPr>
+        <p:spPr>
+          <a:xfrm>
+            <a:off x="9273286" y="5430823"/>
+            <a:ext cx="916572" cy="307777"/>
+          </a:xfrm>
+          <a:prstGeom prst="rect">
+            <a:avLst/>
+          </a:prstGeom>
+          <a:noFill/>
+        </p:spPr>
+        <p:txBody>
+          <a:bodyPr wrap="square" rtlCol="0">
+            <a:spAutoFit/>
+          </a:bodyPr>
+          <a:lstStyle/>
+          <a:p>
+            <a:r>
+              <a:rPr lang="en-GB" sz="1400" dirty="0"/>
+              <a:t>TB Deaths</a:t>
+            </a:r>
+          </a:p>
+        </p:txBody>
+      </p:sp>
     </p:spTree>
     <p:extLst>
       <p:ext uri="{BB962C8B-B14F-4D97-AF65-F5344CB8AC3E}">
